--- a/PP1 Externals/PP1 Presenation External.pptx
+++ b/PP1 Externals/PP1 Presenation External.pptx
@@ -6,26 +6,28 @@
     <p:sldMasterId id="2147483661" r:id="rId3"/>
     <p:sldMasterId id="2147483674" r:id="rId4"/>
     <p:sldMasterId id="2147483687" r:id="rId5"/>
+    <p:sldMasterId id="2147483700" r:id="rId6"/>
   </p:sldMasterIdLst>
   <p:sldIdLst>
-    <p:sldId id="256" r:id="rId6"/>
-    <p:sldId id="257" r:id="rId7"/>
-    <p:sldId id="258" r:id="rId8"/>
-    <p:sldId id="259" r:id="rId9"/>
-    <p:sldId id="260" r:id="rId10"/>
-    <p:sldId id="261" r:id="rId11"/>
-    <p:sldId id="262" r:id="rId12"/>
-    <p:sldId id="263" r:id="rId13"/>
-    <p:sldId id="264" r:id="rId14"/>
-    <p:sldId id="265" r:id="rId15"/>
-    <p:sldId id="266" r:id="rId16"/>
-    <p:sldId id="267" r:id="rId17"/>
-    <p:sldId id="268" r:id="rId18"/>
-    <p:sldId id="269" r:id="rId19"/>
-    <p:sldId id="270" r:id="rId20"/>
-    <p:sldId id="271" r:id="rId21"/>
-    <p:sldId id="272" r:id="rId22"/>
-    <p:sldId id="273" r:id="rId23"/>
+    <p:sldId id="256" r:id="rId7"/>
+    <p:sldId id="257" r:id="rId8"/>
+    <p:sldId id="258" r:id="rId9"/>
+    <p:sldId id="259" r:id="rId10"/>
+    <p:sldId id="260" r:id="rId11"/>
+    <p:sldId id="261" r:id="rId12"/>
+    <p:sldId id="262" r:id="rId13"/>
+    <p:sldId id="263" r:id="rId14"/>
+    <p:sldId id="264" r:id="rId15"/>
+    <p:sldId id="265" r:id="rId16"/>
+    <p:sldId id="266" r:id="rId17"/>
+    <p:sldId id="267" r:id="rId18"/>
+    <p:sldId id="268" r:id="rId19"/>
+    <p:sldId id="269" r:id="rId20"/>
+    <p:sldId id="270" r:id="rId21"/>
+    <p:sldId id="271" r:id="rId22"/>
+    <p:sldId id="272" r:id="rId23"/>
+    <p:sldId id="273" r:id="rId24"/>
+    <p:sldId id="274" r:id="rId25"/>
   </p:sldIdLst>
   <p:sldSz cx="10080625" cy="7559675"/>
   <p:notesSz cx="7559675" cy="10691812"/>
@@ -2955,7 +2957,7 @@
       </p:grpSpPr>
       <p:sp>
         <p:nvSpPr>
-          <p:cNvPr id="120" name="PlaceHolder 1"/>
+          <p:cNvPr id="123" name="PlaceHolder 1"/>
           <p:cNvSpPr>
             <a:spLocks noGrp="1"/>
           </p:cNvSpPr>
@@ -2982,7 +2984,7 @@
       </p:sp>
       <p:sp>
         <p:nvSpPr>
-          <p:cNvPr id="121" name="PlaceHolder 2"/>
+          <p:cNvPr id="124" name="PlaceHolder 2"/>
           <p:cNvSpPr>
             <a:spLocks noGrp="1"/>
           </p:cNvSpPr>
@@ -3031,7 +3033,7 @@
       </p:grpSpPr>
       <p:sp>
         <p:nvSpPr>
-          <p:cNvPr id="122" name="PlaceHolder 1"/>
+          <p:cNvPr id="125" name="PlaceHolder 1"/>
           <p:cNvSpPr>
             <a:spLocks noGrp="1"/>
           </p:cNvSpPr>
@@ -3058,7 +3060,7 @@
       </p:sp>
       <p:sp>
         <p:nvSpPr>
-          <p:cNvPr id="123" name="PlaceHolder 2"/>
+          <p:cNvPr id="126" name="PlaceHolder 2"/>
           <p:cNvSpPr>
             <a:spLocks noGrp="1"/>
           </p:cNvSpPr>
@@ -3207,7 +3209,7 @@
       </p:grpSpPr>
       <p:sp>
         <p:nvSpPr>
-          <p:cNvPr id="124" name="PlaceHolder 1"/>
+          <p:cNvPr id="127" name="PlaceHolder 1"/>
           <p:cNvSpPr>
             <a:spLocks noGrp="1"/>
           </p:cNvSpPr>
@@ -3234,7 +3236,7 @@
       </p:sp>
       <p:sp>
         <p:nvSpPr>
-          <p:cNvPr id="125" name="PlaceHolder 2"/>
+          <p:cNvPr id="128" name="PlaceHolder 2"/>
           <p:cNvSpPr>
             <a:spLocks noGrp="1"/>
           </p:cNvSpPr>
@@ -3260,7 +3262,7 @@
       </p:sp>
       <p:sp>
         <p:nvSpPr>
-          <p:cNvPr id="126" name="PlaceHolder 3"/>
+          <p:cNvPr id="129" name="PlaceHolder 3"/>
           <p:cNvSpPr>
             <a:spLocks noGrp="1"/>
           </p:cNvSpPr>
@@ -3308,7 +3310,7 @@
       </p:grpSpPr>
       <p:sp>
         <p:nvSpPr>
-          <p:cNvPr id="127" name="PlaceHolder 1"/>
+          <p:cNvPr id="130" name="PlaceHolder 1"/>
           <p:cNvSpPr>
             <a:spLocks noGrp="1"/>
           </p:cNvSpPr>
@@ -3357,7 +3359,7 @@
       </p:grpSpPr>
       <p:sp>
         <p:nvSpPr>
-          <p:cNvPr id="128" name="PlaceHolder 1"/>
+          <p:cNvPr id="131" name="PlaceHolder 1"/>
           <p:cNvSpPr>
             <a:spLocks noGrp="1"/>
           </p:cNvSpPr>
@@ -3406,7 +3408,7 @@
       </p:grpSpPr>
       <p:sp>
         <p:nvSpPr>
-          <p:cNvPr id="129" name="PlaceHolder 1"/>
+          <p:cNvPr id="132" name="PlaceHolder 1"/>
           <p:cNvSpPr>
             <a:spLocks noGrp="1"/>
           </p:cNvSpPr>
@@ -3433,7 +3435,7 @@
       </p:sp>
       <p:sp>
         <p:nvSpPr>
-          <p:cNvPr id="130" name="PlaceHolder 2"/>
+          <p:cNvPr id="133" name="PlaceHolder 2"/>
           <p:cNvSpPr>
             <a:spLocks noGrp="1"/>
           </p:cNvSpPr>
@@ -3459,7 +3461,7 @@
       </p:sp>
       <p:sp>
         <p:nvSpPr>
-          <p:cNvPr id="131" name="PlaceHolder 3"/>
+          <p:cNvPr id="134" name="PlaceHolder 3"/>
           <p:cNvSpPr>
             <a:spLocks noGrp="1"/>
           </p:cNvSpPr>
@@ -3485,7 +3487,7 @@
       </p:sp>
       <p:sp>
         <p:nvSpPr>
-          <p:cNvPr id="132" name="PlaceHolder 4"/>
+          <p:cNvPr id="135" name="PlaceHolder 4"/>
           <p:cNvSpPr>
             <a:spLocks noGrp="1"/>
           </p:cNvSpPr>
@@ -3533,7 +3535,7 @@
       </p:grpSpPr>
       <p:sp>
         <p:nvSpPr>
-          <p:cNvPr id="133" name="PlaceHolder 1"/>
+          <p:cNvPr id="136" name="PlaceHolder 1"/>
           <p:cNvSpPr>
             <a:spLocks noGrp="1"/>
           </p:cNvSpPr>
@@ -3560,7 +3562,7 @@
       </p:sp>
       <p:sp>
         <p:nvSpPr>
-          <p:cNvPr id="134" name="PlaceHolder 2"/>
+          <p:cNvPr id="137" name="PlaceHolder 2"/>
           <p:cNvSpPr>
             <a:spLocks noGrp="1"/>
           </p:cNvSpPr>
@@ -3586,7 +3588,7 @@
       </p:sp>
       <p:sp>
         <p:nvSpPr>
-          <p:cNvPr id="135" name="PlaceHolder 3"/>
+          <p:cNvPr id="138" name="PlaceHolder 3"/>
           <p:cNvSpPr>
             <a:spLocks noGrp="1"/>
           </p:cNvSpPr>
@@ -3612,7 +3614,7 @@
       </p:sp>
       <p:sp>
         <p:nvSpPr>
-          <p:cNvPr id="136" name="PlaceHolder 4"/>
+          <p:cNvPr id="139" name="PlaceHolder 4"/>
           <p:cNvSpPr>
             <a:spLocks noGrp="1"/>
           </p:cNvSpPr>
@@ -3660,7 +3662,7 @@
       </p:grpSpPr>
       <p:sp>
         <p:nvSpPr>
-          <p:cNvPr id="137" name="PlaceHolder 1"/>
+          <p:cNvPr id="140" name="PlaceHolder 1"/>
           <p:cNvSpPr>
             <a:spLocks noGrp="1"/>
           </p:cNvSpPr>
@@ -3687,7 +3689,7 @@
       </p:sp>
       <p:sp>
         <p:nvSpPr>
-          <p:cNvPr id="138" name="PlaceHolder 2"/>
+          <p:cNvPr id="141" name="PlaceHolder 2"/>
           <p:cNvSpPr>
             <a:spLocks noGrp="1"/>
           </p:cNvSpPr>
@@ -3713,7 +3715,7 @@
       </p:sp>
       <p:sp>
         <p:nvSpPr>
-          <p:cNvPr id="139" name="PlaceHolder 3"/>
+          <p:cNvPr id="142" name="PlaceHolder 3"/>
           <p:cNvSpPr>
             <a:spLocks noGrp="1"/>
           </p:cNvSpPr>
@@ -3739,7 +3741,7 @@
       </p:sp>
       <p:sp>
         <p:nvSpPr>
-          <p:cNvPr id="140" name="PlaceHolder 4"/>
+          <p:cNvPr id="143" name="PlaceHolder 4"/>
           <p:cNvSpPr>
             <a:spLocks noGrp="1"/>
           </p:cNvSpPr>
@@ -3787,7 +3789,7 @@
       </p:grpSpPr>
       <p:sp>
         <p:nvSpPr>
-          <p:cNvPr id="141" name="PlaceHolder 1"/>
+          <p:cNvPr id="144" name="PlaceHolder 1"/>
           <p:cNvSpPr>
             <a:spLocks noGrp="1"/>
           </p:cNvSpPr>
@@ -3814,7 +3816,7 @@
       </p:sp>
       <p:sp>
         <p:nvSpPr>
-          <p:cNvPr id="142" name="PlaceHolder 2"/>
+          <p:cNvPr id="145" name="PlaceHolder 2"/>
           <p:cNvSpPr>
             <a:spLocks noGrp="1"/>
           </p:cNvSpPr>
@@ -3840,7 +3842,7 @@
       </p:sp>
       <p:sp>
         <p:nvSpPr>
-          <p:cNvPr id="143" name="PlaceHolder 3"/>
+          <p:cNvPr id="146" name="PlaceHolder 3"/>
           <p:cNvSpPr>
             <a:spLocks noGrp="1"/>
           </p:cNvSpPr>
@@ -3888,7 +3890,7 @@
       </p:grpSpPr>
       <p:sp>
         <p:nvSpPr>
-          <p:cNvPr id="144" name="PlaceHolder 1"/>
+          <p:cNvPr id="147" name="PlaceHolder 1"/>
           <p:cNvSpPr>
             <a:spLocks noGrp="1"/>
           </p:cNvSpPr>
@@ -3915,7 +3917,7 @@
       </p:sp>
       <p:sp>
         <p:nvSpPr>
-          <p:cNvPr id="145" name="PlaceHolder 2"/>
+          <p:cNvPr id="148" name="PlaceHolder 2"/>
           <p:cNvSpPr>
             <a:spLocks noGrp="1"/>
           </p:cNvSpPr>
@@ -3941,7 +3943,7 @@
       </p:sp>
       <p:sp>
         <p:nvSpPr>
-          <p:cNvPr id="146" name="PlaceHolder 3"/>
+          <p:cNvPr id="149" name="PlaceHolder 3"/>
           <p:cNvSpPr>
             <a:spLocks noGrp="1"/>
           </p:cNvSpPr>
@@ -3967,7 +3969,7 @@
       </p:sp>
       <p:sp>
         <p:nvSpPr>
-          <p:cNvPr id="147" name="PlaceHolder 4"/>
+          <p:cNvPr id="150" name="PlaceHolder 4"/>
           <p:cNvSpPr>
             <a:spLocks noGrp="1"/>
           </p:cNvSpPr>
@@ -3993,7 +3995,7 @@
       </p:sp>
       <p:sp>
         <p:nvSpPr>
-          <p:cNvPr id="148" name="PlaceHolder 5"/>
+          <p:cNvPr id="151" name="PlaceHolder 5"/>
           <p:cNvSpPr>
             <a:spLocks noGrp="1"/>
           </p:cNvSpPr>
@@ -4041,7 +4043,7 @@
       </p:grpSpPr>
       <p:sp>
         <p:nvSpPr>
-          <p:cNvPr id="149" name="PlaceHolder 1"/>
+          <p:cNvPr id="152" name="PlaceHolder 1"/>
           <p:cNvSpPr>
             <a:spLocks noGrp="1"/>
           </p:cNvSpPr>
@@ -4068,7 +4070,7 @@
       </p:sp>
       <p:sp>
         <p:nvSpPr>
-          <p:cNvPr id="150" name="PlaceHolder 2"/>
+          <p:cNvPr id="153" name="PlaceHolder 2"/>
           <p:cNvSpPr>
             <a:spLocks noGrp="1"/>
           </p:cNvSpPr>
@@ -4094,7 +4096,7 @@
       </p:sp>
       <p:sp>
         <p:nvSpPr>
-          <p:cNvPr id="151" name="PlaceHolder 3"/>
+          <p:cNvPr id="154" name="PlaceHolder 3"/>
           <p:cNvSpPr>
             <a:spLocks noGrp="1"/>
           </p:cNvSpPr>
@@ -4120,7 +4122,7 @@
       </p:sp>
       <p:pic>
         <p:nvPicPr>
-          <p:cNvPr id="152" name="" descr=""/>
+          <p:cNvPr id="155" name="" descr=""/>
           <p:cNvPicPr/>
           <p:nvPr/>
         </p:nvPicPr>
@@ -4143,7 +4145,7 @@
       </p:pic>
       <p:pic>
         <p:nvPicPr>
-          <p:cNvPr id="153" name="" descr=""/>
+          <p:cNvPr id="156" name="" descr=""/>
           <p:cNvPicPr/>
           <p:nvPr/>
         </p:nvPicPr>
@@ -4164,6 +4166,28 @@
           </a:ln>
         </p:spPr>
       </p:pic>
+    </p:spTree>
+  </p:cSld>
+</p:sldLayout>
+</file>
+
+<file path=ppt/slideLayouts/slideLayout49.xml><?xml version="1.0" encoding="utf-8"?>
+<p:sldLayout xmlns:a="http://schemas.openxmlformats.org/drawingml/2006/main" xmlns:p="http://schemas.openxmlformats.org/presentationml/2006/main" xmlns:r="http://schemas.openxmlformats.org/officeDocument/2006/relationships" type="blank" preserve="1">
+  <p:cSld name="Blank Slide">
+    <p:spTree>
+      <p:nvGrpSpPr>
+        <p:cNvPr id="1" name=""/>
+        <p:cNvGrpSpPr/>
+        <p:nvPr/>
+      </p:nvGrpSpPr>
+      <p:grpSpPr>
+        <a:xfrm>
+          <a:off x="0" y="0"/>
+          <a:ext cx="0" cy="0"/>
+          <a:chOff x="0" y="0"/>
+          <a:chExt cx="0" cy="0"/>
+        </a:xfrm>
+      </p:grpSpPr>
     </p:spTree>
   </p:cSld>
 </p:sldLayout>
@@ -4218,6 +4242,991 @@
 </p:sldLayout>
 </file>
 
+<file path=ppt/slideLayouts/slideLayout50.xml><?xml version="1.0" encoding="utf-8"?>
+<p:sldLayout xmlns:a="http://schemas.openxmlformats.org/drawingml/2006/main" xmlns:p="http://schemas.openxmlformats.org/presentationml/2006/main" xmlns:r="http://schemas.openxmlformats.org/officeDocument/2006/relationships" type="tx" preserve="1">
+  <p:cSld name="Title Slide">
+    <p:spTree>
+      <p:nvGrpSpPr>
+        <p:cNvPr id="1" name=""/>
+        <p:cNvGrpSpPr/>
+        <p:nvPr/>
+      </p:nvGrpSpPr>
+      <p:grpSpPr>
+        <a:xfrm>
+          <a:off x="0" y="0"/>
+          <a:ext cx="0" cy="0"/>
+          <a:chOff x="0" y="0"/>
+          <a:chExt cx="0" cy="0"/>
+        </a:xfrm>
+      </p:grpSpPr>
+      <p:sp>
+        <p:nvSpPr>
+          <p:cNvPr id="160" name="PlaceHolder 1"/>
+          <p:cNvSpPr>
+            <a:spLocks noGrp="1"/>
+          </p:cNvSpPr>
+          <p:nvPr>
+            <p:ph type="title"/>
+          </p:nvPr>
+        </p:nvSpPr>
+        <p:spPr>
+          <a:xfrm>
+            <a:off x="504000" y="301320"/>
+            <a:ext cx="9072000" cy="1261800"/>
+          </a:xfrm>
+          <a:prstGeom prst="rect">
+            <a:avLst/>
+          </a:prstGeom>
+        </p:spPr>
+        <p:txBody>
+          <a:bodyPr lIns="0" rIns="0" tIns="0" bIns="0" anchor="ctr"/>
+          <a:p>
+            <a:pPr algn="ctr"/>
+            <a:endParaRPr/>
+          </a:p>
+        </p:txBody>
+      </p:sp>
+      <p:sp>
+        <p:nvSpPr>
+          <p:cNvPr id="161" name="PlaceHolder 2"/>
+          <p:cNvSpPr>
+            <a:spLocks noGrp="1"/>
+          </p:cNvSpPr>
+          <p:nvPr>
+            <p:ph type="subTitle"/>
+          </p:nvPr>
+        </p:nvSpPr>
+        <p:spPr>
+          <a:xfrm>
+            <a:off x="504000" y="1768680"/>
+            <a:ext cx="9072000" cy="4384080"/>
+          </a:xfrm>
+          <a:prstGeom prst="rect">
+            <a:avLst/>
+          </a:prstGeom>
+        </p:spPr>
+        <p:txBody>
+          <a:bodyPr lIns="0" rIns="0" tIns="0" bIns="0" anchor="ctr"/>
+          <a:p>
+            <a:pPr algn="ctr"/>
+            <a:endParaRPr/>
+          </a:p>
+        </p:txBody>
+      </p:sp>
+    </p:spTree>
+  </p:cSld>
+</p:sldLayout>
+</file>
+
+<file path=ppt/slideLayouts/slideLayout51.xml><?xml version="1.0" encoding="utf-8"?>
+<p:sldLayout xmlns:a="http://schemas.openxmlformats.org/drawingml/2006/main" xmlns:p="http://schemas.openxmlformats.org/presentationml/2006/main" xmlns:r="http://schemas.openxmlformats.org/officeDocument/2006/relationships" type="obj" preserve="1">
+  <p:cSld name="Title, Content">
+    <p:spTree>
+      <p:nvGrpSpPr>
+        <p:cNvPr id="1" name=""/>
+        <p:cNvGrpSpPr/>
+        <p:nvPr/>
+      </p:nvGrpSpPr>
+      <p:grpSpPr>
+        <a:xfrm>
+          <a:off x="0" y="0"/>
+          <a:ext cx="0" cy="0"/>
+          <a:chOff x="0" y="0"/>
+          <a:chExt cx="0" cy="0"/>
+        </a:xfrm>
+      </p:grpSpPr>
+      <p:sp>
+        <p:nvSpPr>
+          <p:cNvPr id="162" name="PlaceHolder 1"/>
+          <p:cNvSpPr>
+            <a:spLocks noGrp="1"/>
+          </p:cNvSpPr>
+          <p:nvPr>
+            <p:ph type="title"/>
+          </p:nvPr>
+        </p:nvSpPr>
+        <p:spPr>
+          <a:xfrm>
+            <a:off x="504000" y="301320"/>
+            <a:ext cx="9072000" cy="1261800"/>
+          </a:xfrm>
+          <a:prstGeom prst="rect">
+            <a:avLst/>
+          </a:prstGeom>
+        </p:spPr>
+        <p:txBody>
+          <a:bodyPr lIns="0" rIns="0" tIns="0" bIns="0" anchor="ctr"/>
+          <a:p>
+            <a:pPr algn="ctr"/>
+            <a:endParaRPr/>
+          </a:p>
+        </p:txBody>
+      </p:sp>
+      <p:sp>
+        <p:nvSpPr>
+          <p:cNvPr id="163" name="PlaceHolder 2"/>
+          <p:cNvSpPr>
+            <a:spLocks noGrp="1"/>
+          </p:cNvSpPr>
+          <p:nvPr>
+            <p:ph type="body"/>
+          </p:nvPr>
+        </p:nvSpPr>
+        <p:spPr>
+          <a:xfrm>
+            <a:off x="504000" y="1768680"/>
+            <a:ext cx="9072000" cy="4384080"/>
+          </a:xfrm>
+          <a:prstGeom prst="rect">
+            <a:avLst/>
+          </a:prstGeom>
+        </p:spPr>
+        <p:txBody>
+          <a:bodyPr lIns="0" rIns="0" tIns="0" bIns="0"/>
+          <a:p>
+            <a:endParaRPr/>
+          </a:p>
+        </p:txBody>
+      </p:sp>
+    </p:spTree>
+  </p:cSld>
+</p:sldLayout>
+</file>
+
+<file path=ppt/slideLayouts/slideLayout52.xml><?xml version="1.0" encoding="utf-8"?>
+<p:sldLayout xmlns:a="http://schemas.openxmlformats.org/drawingml/2006/main" xmlns:p="http://schemas.openxmlformats.org/presentationml/2006/main" xmlns:r="http://schemas.openxmlformats.org/officeDocument/2006/relationships" type="twoObj" preserve="1">
+  <p:cSld name="Title, 2 Content">
+    <p:spTree>
+      <p:nvGrpSpPr>
+        <p:cNvPr id="1" name=""/>
+        <p:cNvGrpSpPr/>
+        <p:nvPr/>
+      </p:nvGrpSpPr>
+      <p:grpSpPr>
+        <a:xfrm>
+          <a:off x="0" y="0"/>
+          <a:ext cx="0" cy="0"/>
+          <a:chOff x="0" y="0"/>
+          <a:chExt cx="0" cy="0"/>
+        </a:xfrm>
+      </p:grpSpPr>
+      <p:sp>
+        <p:nvSpPr>
+          <p:cNvPr id="164" name="PlaceHolder 1"/>
+          <p:cNvSpPr>
+            <a:spLocks noGrp="1"/>
+          </p:cNvSpPr>
+          <p:nvPr>
+            <p:ph type="title"/>
+          </p:nvPr>
+        </p:nvSpPr>
+        <p:spPr>
+          <a:xfrm>
+            <a:off x="504000" y="301320"/>
+            <a:ext cx="9072000" cy="1261800"/>
+          </a:xfrm>
+          <a:prstGeom prst="rect">
+            <a:avLst/>
+          </a:prstGeom>
+        </p:spPr>
+        <p:txBody>
+          <a:bodyPr lIns="0" rIns="0" tIns="0" bIns="0" anchor="ctr"/>
+          <a:p>
+            <a:pPr algn="ctr"/>
+            <a:endParaRPr/>
+          </a:p>
+        </p:txBody>
+      </p:sp>
+      <p:sp>
+        <p:nvSpPr>
+          <p:cNvPr id="165" name="PlaceHolder 2"/>
+          <p:cNvSpPr>
+            <a:spLocks noGrp="1"/>
+          </p:cNvSpPr>
+          <p:nvPr>
+            <p:ph type="body"/>
+          </p:nvPr>
+        </p:nvSpPr>
+        <p:spPr>
+          <a:xfrm>
+            <a:off x="504000" y="1768680"/>
+            <a:ext cx="4426920" cy="4384080"/>
+          </a:xfrm>
+          <a:prstGeom prst="rect">
+            <a:avLst/>
+          </a:prstGeom>
+        </p:spPr>
+        <p:txBody>
+          <a:bodyPr lIns="0" rIns="0" tIns="0" bIns="0"/>
+          <a:p>
+            <a:endParaRPr/>
+          </a:p>
+        </p:txBody>
+      </p:sp>
+      <p:sp>
+        <p:nvSpPr>
+          <p:cNvPr id="166" name="PlaceHolder 3"/>
+          <p:cNvSpPr>
+            <a:spLocks noGrp="1"/>
+          </p:cNvSpPr>
+          <p:nvPr>
+            <p:ph type="body"/>
+          </p:nvPr>
+        </p:nvSpPr>
+        <p:spPr>
+          <a:xfrm>
+            <a:off x="5152680" y="1768680"/>
+            <a:ext cx="4426920" cy="4384080"/>
+          </a:xfrm>
+          <a:prstGeom prst="rect">
+            <a:avLst/>
+          </a:prstGeom>
+        </p:spPr>
+        <p:txBody>
+          <a:bodyPr lIns="0" rIns="0" tIns="0" bIns="0"/>
+          <a:p>
+            <a:endParaRPr/>
+          </a:p>
+        </p:txBody>
+      </p:sp>
+    </p:spTree>
+  </p:cSld>
+</p:sldLayout>
+</file>
+
+<file path=ppt/slideLayouts/slideLayout53.xml><?xml version="1.0" encoding="utf-8"?>
+<p:sldLayout xmlns:a="http://schemas.openxmlformats.org/drawingml/2006/main" xmlns:p="http://schemas.openxmlformats.org/presentationml/2006/main" xmlns:r="http://schemas.openxmlformats.org/officeDocument/2006/relationships" type="titleOnly" preserve="1">
+  <p:cSld name="Title Only">
+    <p:spTree>
+      <p:nvGrpSpPr>
+        <p:cNvPr id="1" name=""/>
+        <p:cNvGrpSpPr/>
+        <p:nvPr/>
+      </p:nvGrpSpPr>
+      <p:grpSpPr>
+        <a:xfrm>
+          <a:off x="0" y="0"/>
+          <a:ext cx="0" cy="0"/>
+          <a:chOff x="0" y="0"/>
+          <a:chExt cx="0" cy="0"/>
+        </a:xfrm>
+      </p:grpSpPr>
+      <p:sp>
+        <p:nvSpPr>
+          <p:cNvPr id="167" name="PlaceHolder 1"/>
+          <p:cNvSpPr>
+            <a:spLocks noGrp="1"/>
+          </p:cNvSpPr>
+          <p:nvPr>
+            <p:ph type="title"/>
+          </p:nvPr>
+        </p:nvSpPr>
+        <p:spPr>
+          <a:xfrm>
+            <a:off x="504000" y="301320"/>
+            <a:ext cx="9072000" cy="1261800"/>
+          </a:xfrm>
+          <a:prstGeom prst="rect">
+            <a:avLst/>
+          </a:prstGeom>
+        </p:spPr>
+        <p:txBody>
+          <a:bodyPr lIns="0" rIns="0" tIns="0" bIns="0" anchor="ctr"/>
+          <a:p>
+            <a:pPr algn="ctr"/>
+            <a:endParaRPr/>
+          </a:p>
+        </p:txBody>
+      </p:sp>
+    </p:spTree>
+  </p:cSld>
+</p:sldLayout>
+</file>
+
+<file path=ppt/slideLayouts/slideLayout54.xml><?xml version="1.0" encoding="utf-8"?>
+<p:sldLayout xmlns:a="http://schemas.openxmlformats.org/drawingml/2006/main" xmlns:p="http://schemas.openxmlformats.org/presentationml/2006/main" xmlns:r="http://schemas.openxmlformats.org/officeDocument/2006/relationships" type="objOnly" preserve="1">
+  <p:cSld name="Centered Text">
+    <p:spTree>
+      <p:nvGrpSpPr>
+        <p:cNvPr id="1" name=""/>
+        <p:cNvGrpSpPr/>
+        <p:nvPr/>
+      </p:nvGrpSpPr>
+      <p:grpSpPr>
+        <a:xfrm>
+          <a:off x="0" y="0"/>
+          <a:ext cx="0" cy="0"/>
+          <a:chOff x="0" y="0"/>
+          <a:chExt cx="0" cy="0"/>
+        </a:xfrm>
+      </p:grpSpPr>
+      <p:sp>
+        <p:nvSpPr>
+          <p:cNvPr id="168" name="PlaceHolder 1"/>
+          <p:cNvSpPr>
+            <a:spLocks noGrp="1"/>
+          </p:cNvSpPr>
+          <p:nvPr>
+            <p:ph type="subTitle"/>
+          </p:nvPr>
+        </p:nvSpPr>
+        <p:spPr>
+          <a:xfrm>
+            <a:off x="504000" y="301320"/>
+            <a:ext cx="9072000" cy="5850360"/>
+          </a:xfrm>
+          <a:prstGeom prst="rect">
+            <a:avLst/>
+          </a:prstGeom>
+        </p:spPr>
+        <p:txBody>
+          <a:bodyPr lIns="0" rIns="0" tIns="0" bIns="0" anchor="ctr"/>
+          <a:p>
+            <a:pPr algn="ctr"/>
+            <a:endParaRPr/>
+          </a:p>
+        </p:txBody>
+      </p:sp>
+    </p:spTree>
+  </p:cSld>
+</p:sldLayout>
+</file>
+
+<file path=ppt/slideLayouts/slideLayout55.xml><?xml version="1.0" encoding="utf-8"?>
+<p:sldLayout xmlns:a="http://schemas.openxmlformats.org/drawingml/2006/main" xmlns:p="http://schemas.openxmlformats.org/presentationml/2006/main" xmlns:r="http://schemas.openxmlformats.org/officeDocument/2006/relationships" type="twoObjAndObj" preserve="1">
+  <p:cSld name="Title, 2 Content and Content">
+    <p:spTree>
+      <p:nvGrpSpPr>
+        <p:cNvPr id="1" name=""/>
+        <p:cNvGrpSpPr/>
+        <p:nvPr/>
+      </p:nvGrpSpPr>
+      <p:grpSpPr>
+        <a:xfrm>
+          <a:off x="0" y="0"/>
+          <a:ext cx="0" cy="0"/>
+          <a:chOff x="0" y="0"/>
+          <a:chExt cx="0" cy="0"/>
+        </a:xfrm>
+      </p:grpSpPr>
+      <p:sp>
+        <p:nvSpPr>
+          <p:cNvPr id="169" name="PlaceHolder 1"/>
+          <p:cNvSpPr>
+            <a:spLocks noGrp="1"/>
+          </p:cNvSpPr>
+          <p:nvPr>
+            <p:ph type="title"/>
+          </p:nvPr>
+        </p:nvSpPr>
+        <p:spPr>
+          <a:xfrm>
+            <a:off x="504000" y="301320"/>
+            <a:ext cx="9072000" cy="1261800"/>
+          </a:xfrm>
+          <a:prstGeom prst="rect">
+            <a:avLst/>
+          </a:prstGeom>
+        </p:spPr>
+        <p:txBody>
+          <a:bodyPr lIns="0" rIns="0" tIns="0" bIns="0" anchor="ctr"/>
+          <a:p>
+            <a:pPr algn="ctr"/>
+            <a:endParaRPr/>
+          </a:p>
+        </p:txBody>
+      </p:sp>
+      <p:sp>
+        <p:nvSpPr>
+          <p:cNvPr id="170" name="PlaceHolder 2"/>
+          <p:cNvSpPr>
+            <a:spLocks noGrp="1"/>
+          </p:cNvSpPr>
+          <p:nvPr>
+            <p:ph type="body"/>
+          </p:nvPr>
+        </p:nvSpPr>
+        <p:spPr>
+          <a:xfrm>
+            <a:off x="504000" y="1768680"/>
+            <a:ext cx="4426920" cy="2090880"/>
+          </a:xfrm>
+          <a:prstGeom prst="rect">
+            <a:avLst/>
+          </a:prstGeom>
+        </p:spPr>
+        <p:txBody>
+          <a:bodyPr lIns="0" rIns="0" tIns="0" bIns="0"/>
+          <a:p>
+            <a:endParaRPr/>
+          </a:p>
+        </p:txBody>
+      </p:sp>
+      <p:sp>
+        <p:nvSpPr>
+          <p:cNvPr id="171" name="PlaceHolder 3"/>
+          <p:cNvSpPr>
+            <a:spLocks noGrp="1"/>
+          </p:cNvSpPr>
+          <p:nvPr>
+            <p:ph type="body"/>
+          </p:nvPr>
+        </p:nvSpPr>
+        <p:spPr>
+          <a:xfrm>
+            <a:off x="504000" y="4058640"/>
+            <a:ext cx="4426920" cy="2090880"/>
+          </a:xfrm>
+          <a:prstGeom prst="rect">
+            <a:avLst/>
+          </a:prstGeom>
+        </p:spPr>
+        <p:txBody>
+          <a:bodyPr lIns="0" rIns="0" tIns="0" bIns="0"/>
+          <a:p>
+            <a:endParaRPr/>
+          </a:p>
+        </p:txBody>
+      </p:sp>
+      <p:sp>
+        <p:nvSpPr>
+          <p:cNvPr id="172" name="PlaceHolder 4"/>
+          <p:cNvSpPr>
+            <a:spLocks noGrp="1"/>
+          </p:cNvSpPr>
+          <p:nvPr>
+            <p:ph type="body"/>
+          </p:nvPr>
+        </p:nvSpPr>
+        <p:spPr>
+          <a:xfrm>
+            <a:off x="5152680" y="1768680"/>
+            <a:ext cx="4426920" cy="4384080"/>
+          </a:xfrm>
+          <a:prstGeom prst="rect">
+            <a:avLst/>
+          </a:prstGeom>
+        </p:spPr>
+        <p:txBody>
+          <a:bodyPr lIns="0" rIns="0" tIns="0" bIns="0"/>
+          <a:p>
+            <a:endParaRPr/>
+          </a:p>
+        </p:txBody>
+      </p:sp>
+    </p:spTree>
+  </p:cSld>
+</p:sldLayout>
+</file>
+
+<file path=ppt/slideLayouts/slideLayout56.xml><?xml version="1.0" encoding="utf-8"?>
+<p:sldLayout xmlns:a="http://schemas.openxmlformats.org/drawingml/2006/main" xmlns:p="http://schemas.openxmlformats.org/presentationml/2006/main" xmlns:r="http://schemas.openxmlformats.org/officeDocument/2006/relationships" type="objAndTwoObj" preserve="1">
+  <p:cSld name="Title Content and 2 Content">
+    <p:spTree>
+      <p:nvGrpSpPr>
+        <p:cNvPr id="1" name=""/>
+        <p:cNvGrpSpPr/>
+        <p:nvPr/>
+      </p:nvGrpSpPr>
+      <p:grpSpPr>
+        <a:xfrm>
+          <a:off x="0" y="0"/>
+          <a:ext cx="0" cy="0"/>
+          <a:chOff x="0" y="0"/>
+          <a:chExt cx="0" cy="0"/>
+        </a:xfrm>
+      </p:grpSpPr>
+      <p:sp>
+        <p:nvSpPr>
+          <p:cNvPr id="173" name="PlaceHolder 1"/>
+          <p:cNvSpPr>
+            <a:spLocks noGrp="1"/>
+          </p:cNvSpPr>
+          <p:nvPr>
+            <p:ph type="title"/>
+          </p:nvPr>
+        </p:nvSpPr>
+        <p:spPr>
+          <a:xfrm>
+            <a:off x="504000" y="301320"/>
+            <a:ext cx="9072000" cy="1261800"/>
+          </a:xfrm>
+          <a:prstGeom prst="rect">
+            <a:avLst/>
+          </a:prstGeom>
+        </p:spPr>
+        <p:txBody>
+          <a:bodyPr lIns="0" rIns="0" tIns="0" bIns="0" anchor="ctr"/>
+          <a:p>
+            <a:pPr algn="ctr"/>
+            <a:endParaRPr/>
+          </a:p>
+        </p:txBody>
+      </p:sp>
+      <p:sp>
+        <p:nvSpPr>
+          <p:cNvPr id="174" name="PlaceHolder 2"/>
+          <p:cNvSpPr>
+            <a:spLocks noGrp="1"/>
+          </p:cNvSpPr>
+          <p:nvPr>
+            <p:ph type="body"/>
+          </p:nvPr>
+        </p:nvSpPr>
+        <p:spPr>
+          <a:xfrm>
+            <a:off x="504000" y="1768680"/>
+            <a:ext cx="4426920" cy="4384080"/>
+          </a:xfrm>
+          <a:prstGeom prst="rect">
+            <a:avLst/>
+          </a:prstGeom>
+        </p:spPr>
+        <p:txBody>
+          <a:bodyPr lIns="0" rIns="0" tIns="0" bIns="0"/>
+          <a:p>
+            <a:endParaRPr/>
+          </a:p>
+        </p:txBody>
+      </p:sp>
+      <p:sp>
+        <p:nvSpPr>
+          <p:cNvPr id="175" name="PlaceHolder 3"/>
+          <p:cNvSpPr>
+            <a:spLocks noGrp="1"/>
+          </p:cNvSpPr>
+          <p:nvPr>
+            <p:ph type="body"/>
+          </p:nvPr>
+        </p:nvSpPr>
+        <p:spPr>
+          <a:xfrm>
+            <a:off x="5152680" y="1768680"/>
+            <a:ext cx="4426920" cy="2090880"/>
+          </a:xfrm>
+          <a:prstGeom prst="rect">
+            <a:avLst/>
+          </a:prstGeom>
+        </p:spPr>
+        <p:txBody>
+          <a:bodyPr lIns="0" rIns="0" tIns="0" bIns="0"/>
+          <a:p>
+            <a:endParaRPr/>
+          </a:p>
+        </p:txBody>
+      </p:sp>
+      <p:sp>
+        <p:nvSpPr>
+          <p:cNvPr id="176" name="PlaceHolder 4"/>
+          <p:cNvSpPr>
+            <a:spLocks noGrp="1"/>
+          </p:cNvSpPr>
+          <p:nvPr>
+            <p:ph type="body"/>
+          </p:nvPr>
+        </p:nvSpPr>
+        <p:spPr>
+          <a:xfrm>
+            <a:off x="5152680" y="4058640"/>
+            <a:ext cx="4426920" cy="2090880"/>
+          </a:xfrm>
+          <a:prstGeom prst="rect">
+            <a:avLst/>
+          </a:prstGeom>
+        </p:spPr>
+        <p:txBody>
+          <a:bodyPr lIns="0" rIns="0" tIns="0" bIns="0"/>
+          <a:p>
+            <a:endParaRPr/>
+          </a:p>
+        </p:txBody>
+      </p:sp>
+    </p:spTree>
+  </p:cSld>
+</p:sldLayout>
+</file>
+
+<file path=ppt/slideLayouts/slideLayout57.xml><?xml version="1.0" encoding="utf-8"?>
+<p:sldLayout xmlns:a="http://schemas.openxmlformats.org/drawingml/2006/main" xmlns:p="http://schemas.openxmlformats.org/presentationml/2006/main" xmlns:r="http://schemas.openxmlformats.org/officeDocument/2006/relationships" type="twoObjOverTx" preserve="1">
+  <p:cSld name="Title, 2 Content over Content">
+    <p:spTree>
+      <p:nvGrpSpPr>
+        <p:cNvPr id="1" name=""/>
+        <p:cNvGrpSpPr/>
+        <p:nvPr/>
+      </p:nvGrpSpPr>
+      <p:grpSpPr>
+        <a:xfrm>
+          <a:off x="0" y="0"/>
+          <a:ext cx="0" cy="0"/>
+          <a:chOff x="0" y="0"/>
+          <a:chExt cx="0" cy="0"/>
+        </a:xfrm>
+      </p:grpSpPr>
+      <p:sp>
+        <p:nvSpPr>
+          <p:cNvPr id="177" name="PlaceHolder 1"/>
+          <p:cNvSpPr>
+            <a:spLocks noGrp="1"/>
+          </p:cNvSpPr>
+          <p:nvPr>
+            <p:ph type="title"/>
+          </p:nvPr>
+        </p:nvSpPr>
+        <p:spPr>
+          <a:xfrm>
+            <a:off x="504000" y="301320"/>
+            <a:ext cx="9072000" cy="1261800"/>
+          </a:xfrm>
+          <a:prstGeom prst="rect">
+            <a:avLst/>
+          </a:prstGeom>
+        </p:spPr>
+        <p:txBody>
+          <a:bodyPr lIns="0" rIns="0" tIns="0" bIns="0" anchor="ctr"/>
+          <a:p>
+            <a:pPr algn="ctr"/>
+            <a:endParaRPr/>
+          </a:p>
+        </p:txBody>
+      </p:sp>
+      <p:sp>
+        <p:nvSpPr>
+          <p:cNvPr id="178" name="PlaceHolder 2"/>
+          <p:cNvSpPr>
+            <a:spLocks noGrp="1"/>
+          </p:cNvSpPr>
+          <p:nvPr>
+            <p:ph type="body"/>
+          </p:nvPr>
+        </p:nvSpPr>
+        <p:spPr>
+          <a:xfrm>
+            <a:off x="504000" y="1768680"/>
+            <a:ext cx="4426920" cy="2090880"/>
+          </a:xfrm>
+          <a:prstGeom prst="rect">
+            <a:avLst/>
+          </a:prstGeom>
+        </p:spPr>
+        <p:txBody>
+          <a:bodyPr lIns="0" rIns="0" tIns="0" bIns="0"/>
+          <a:p>
+            <a:endParaRPr/>
+          </a:p>
+        </p:txBody>
+      </p:sp>
+      <p:sp>
+        <p:nvSpPr>
+          <p:cNvPr id="179" name="PlaceHolder 3"/>
+          <p:cNvSpPr>
+            <a:spLocks noGrp="1"/>
+          </p:cNvSpPr>
+          <p:nvPr>
+            <p:ph type="body"/>
+          </p:nvPr>
+        </p:nvSpPr>
+        <p:spPr>
+          <a:xfrm>
+            <a:off x="5152680" y="1768680"/>
+            <a:ext cx="4426920" cy="2090880"/>
+          </a:xfrm>
+          <a:prstGeom prst="rect">
+            <a:avLst/>
+          </a:prstGeom>
+        </p:spPr>
+        <p:txBody>
+          <a:bodyPr lIns="0" rIns="0" tIns="0" bIns="0"/>
+          <a:p>
+            <a:endParaRPr/>
+          </a:p>
+        </p:txBody>
+      </p:sp>
+      <p:sp>
+        <p:nvSpPr>
+          <p:cNvPr id="180" name="PlaceHolder 4"/>
+          <p:cNvSpPr>
+            <a:spLocks noGrp="1"/>
+          </p:cNvSpPr>
+          <p:nvPr>
+            <p:ph type="body"/>
+          </p:nvPr>
+        </p:nvSpPr>
+        <p:spPr>
+          <a:xfrm>
+            <a:off x="504000" y="4058640"/>
+            <a:ext cx="9072000" cy="2090880"/>
+          </a:xfrm>
+          <a:prstGeom prst="rect">
+            <a:avLst/>
+          </a:prstGeom>
+        </p:spPr>
+        <p:txBody>
+          <a:bodyPr lIns="0" rIns="0" tIns="0" bIns="0"/>
+          <a:p>
+            <a:endParaRPr/>
+          </a:p>
+        </p:txBody>
+      </p:sp>
+    </p:spTree>
+  </p:cSld>
+</p:sldLayout>
+</file>
+
+<file path=ppt/slideLayouts/slideLayout58.xml><?xml version="1.0" encoding="utf-8"?>
+<p:sldLayout xmlns:a="http://schemas.openxmlformats.org/drawingml/2006/main" xmlns:p="http://schemas.openxmlformats.org/presentationml/2006/main" xmlns:r="http://schemas.openxmlformats.org/officeDocument/2006/relationships" type="objOverTx" preserve="1">
+  <p:cSld name="Title, Content over Content">
+    <p:spTree>
+      <p:nvGrpSpPr>
+        <p:cNvPr id="1" name=""/>
+        <p:cNvGrpSpPr/>
+        <p:nvPr/>
+      </p:nvGrpSpPr>
+      <p:grpSpPr>
+        <a:xfrm>
+          <a:off x="0" y="0"/>
+          <a:ext cx="0" cy="0"/>
+          <a:chOff x="0" y="0"/>
+          <a:chExt cx="0" cy="0"/>
+        </a:xfrm>
+      </p:grpSpPr>
+      <p:sp>
+        <p:nvSpPr>
+          <p:cNvPr id="181" name="PlaceHolder 1"/>
+          <p:cNvSpPr>
+            <a:spLocks noGrp="1"/>
+          </p:cNvSpPr>
+          <p:nvPr>
+            <p:ph type="title"/>
+          </p:nvPr>
+        </p:nvSpPr>
+        <p:spPr>
+          <a:xfrm>
+            <a:off x="504000" y="301320"/>
+            <a:ext cx="9072000" cy="1261800"/>
+          </a:xfrm>
+          <a:prstGeom prst="rect">
+            <a:avLst/>
+          </a:prstGeom>
+        </p:spPr>
+        <p:txBody>
+          <a:bodyPr lIns="0" rIns="0" tIns="0" bIns="0" anchor="ctr"/>
+          <a:p>
+            <a:pPr algn="ctr"/>
+            <a:endParaRPr/>
+          </a:p>
+        </p:txBody>
+      </p:sp>
+      <p:sp>
+        <p:nvSpPr>
+          <p:cNvPr id="182" name="PlaceHolder 2"/>
+          <p:cNvSpPr>
+            <a:spLocks noGrp="1"/>
+          </p:cNvSpPr>
+          <p:nvPr>
+            <p:ph type="body"/>
+          </p:nvPr>
+        </p:nvSpPr>
+        <p:spPr>
+          <a:xfrm>
+            <a:off x="504000" y="1768680"/>
+            <a:ext cx="9072000" cy="2090880"/>
+          </a:xfrm>
+          <a:prstGeom prst="rect">
+            <a:avLst/>
+          </a:prstGeom>
+        </p:spPr>
+        <p:txBody>
+          <a:bodyPr lIns="0" rIns="0" tIns="0" bIns="0"/>
+          <a:p>
+            <a:endParaRPr/>
+          </a:p>
+        </p:txBody>
+      </p:sp>
+      <p:sp>
+        <p:nvSpPr>
+          <p:cNvPr id="183" name="PlaceHolder 3"/>
+          <p:cNvSpPr>
+            <a:spLocks noGrp="1"/>
+          </p:cNvSpPr>
+          <p:nvPr>
+            <p:ph type="body"/>
+          </p:nvPr>
+        </p:nvSpPr>
+        <p:spPr>
+          <a:xfrm>
+            <a:off x="504000" y="4058640"/>
+            <a:ext cx="9072000" cy="2090880"/>
+          </a:xfrm>
+          <a:prstGeom prst="rect">
+            <a:avLst/>
+          </a:prstGeom>
+        </p:spPr>
+        <p:txBody>
+          <a:bodyPr lIns="0" rIns="0" tIns="0" bIns="0"/>
+          <a:p>
+            <a:endParaRPr/>
+          </a:p>
+        </p:txBody>
+      </p:sp>
+    </p:spTree>
+  </p:cSld>
+</p:sldLayout>
+</file>
+
+<file path=ppt/slideLayouts/slideLayout59.xml><?xml version="1.0" encoding="utf-8"?>
+<p:sldLayout xmlns:a="http://schemas.openxmlformats.org/drawingml/2006/main" xmlns:p="http://schemas.openxmlformats.org/presentationml/2006/main" xmlns:r="http://schemas.openxmlformats.org/officeDocument/2006/relationships" type="fourObj" preserve="1">
+  <p:cSld name="Title, 4 Content">
+    <p:spTree>
+      <p:nvGrpSpPr>
+        <p:cNvPr id="1" name=""/>
+        <p:cNvGrpSpPr/>
+        <p:nvPr/>
+      </p:nvGrpSpPr>
+      <p:grpSpPr>
+        <a:xfrm>
+          <a:off x="0" y="0"/>
+          <a:ext cx="0" cy="0"/>
+          <a:chOff x="0" y="0"/>
+          <a:chExt cx="0" cy="0"/>
+        </a:xfrm>
+      </p:grpSpPr>
+      <p:sp>
+        <p:nvSpPr>
+          <p:cNvPr id="184" name="PlaceHolder 1"/>
+          <p:cNvSpPr>
+            <a:spLocks noGrp="1"/>
+          </p:cNvSpPr>
+          <p:nvPr>
+            <p:ph type="title"/>
+          </p:nvPr>
+        </p:nvSpPr>
+        <p:spPr>
+          <a:xfrm>
+            <a:off x="504000" y="301320"/>
+            <a:ext cx="9072000" cy="1261800"/>
+          </a:xfrm>
+          <a:prstGeom prst="rect">
+            <a:avLst/>
+          </a:prstGeom>
+        </p:spPr>
+        <p:txBody>
+          <a:bodyPr lIns="0" rIns="0" tIns="0" bIns="0" anchor="ctr"/>
+          <a:p>
+            <a:pPr algn="ctr"/>
+            <a:endParaRPr/>
+          </a:p>
+        </p:txBody>
+      </p:sp>
+      <p:sp>
+        <p:nvSpPr>
+          <p:cNvPr id="185" name="PlaceHolder 2"/>
+          <p:cNvSpPr>
+            <a:spLocks noGrp="1"/>
+          </p:cNvSpPr>
+          <p:nvPr>
+            <p:ph type="body"/>
+          </p:nvPr>
+        </p:nvSpPr>
+        <p:spPr>
+          <a:xfrm>
+            <a:off x="504000" y="1768680"/>
+            <a:ext cx="4426920" cy="2090880"/>
+          </a:xfrm>
+          <a:prstGeom prst="rect">
+            <a:avLst/>
+          </a:prstGeom>
+        </p:spPr>
+        <p:txBody>
+          <a:bodyPr lIns="0" rIns="0" tIns="0" bIns="0"/>
+          <a:p>
+            <a:endParaRPr/>
+          </a:p>
+        </p:txBody>
+      </p:sp>
+      <p:sp>
+        <p:nvSpPr>
+          <p:cNvPr id="186" name="PlaceHolder 3"/>
+          <p:cNvSpPr>
+            <a:spLocks noGrp="1"/>
+          </p:cNvSpPr>
+          <p:nvPr>
+            <p:ph type="body"/>
+          </p:nvPr>
+        </p:nvSpPr>
+        <p:spPr>
+          <a:xfrm>
+            <a:off x="5152680" y="1768680"/>
+            <a:ext cx="4426920" cy="2090880"/>
+          </a:xfrm>
+          <a:prstGeom prst="rect">
+            <a:avLst/>
+          </a:prstGeom>
+        </p:spPr>
+        <p:txBody>
+          <a:bodyPr lIns="0" rIns="0" tIns="0" bIns="0"/>
+          <a:p>
+            <a:endParaRPr/>
+          </a:p>
+        </p:txBody>
+      </p:sp>
+      <p:sp>
+        <p:nvSpPr>
+          <p:cNvPr id="187" name="PlaceHolder 4"/>
+          <p:cNvSpPr>
+            <a:spLocks noGrp="1"/>
+          </p:cNvSpPr>
+          <p:nvPr>
+            <p:ph type="body"/>
+          </p:nvPr>
+        </p:nvSpPr>
+        <p:spPr>
+          <a:xfrm>
+            <a:off x="5152680" y="4058640"/>
+            <a:ext cx="4426920" cy="2090880"/>
+          </a:xfrm>
+          <a:prstGeom prst="rect">
+            <a:avLst/>
+          </a:prstGeom>
+        </p:spPr>
+        <p:txBody>
+          <a:bodyPr lIns="0" rIns="0" tIns="0" bIns="0"/>
+          <a:p>
+            <a:endParaRPr/>
+          </a:p>
+        </p:txBody>
+      </p:sp>
+      <p:sp>
+        <p:nvSpPr>
+          <p:cNvPr id="188" name="PlaceHolder 5"/>
+          <p:cNvSpPr>
+            <a:spLocks noGrp="1"/>
+          </p:cNvSpPr>
+          <p:nvPr>
+            <p:ph type="body"/>
+          </p:nvPr>
+        </p:nvSpPr>
+        <p:spPr>
+          <a:xfrm>
+            <a:off x="504000" y="4058640"/>
+            <a:ext cx="4426920" cy="2090880"/>
+          </a:xfrm>
+          <a:prstGeom prst="rect">
+            <a:avLst/>
+          </a:prstGeom>
+        </p:spPr>
+        <p:txBody>
+          <a:bodyPr lIns="0" rIns="0" tIns="0" bIns="0"/>
+          <a:p>
+            <a:endParaRPr/>
+          </a:p>
+        </p:txBody>
+      </p:sp>
+    </p:spTree>
+  </p:cSld>
+</p:sldLayout>
+</file>
+
 <file path=ppt/slideLayouts/slideLayout6.xml><?xml version="1.0" encoding="utf-8"?>
 <p:sldLayout xmlns:a="http://schemas.openxmlformats.org/drawingml/2006/main" xmlns:p="http://schemas.openxmlformats.org/presentationml/2006/main" xmlns:r="http://schemas.openxmlformats.org/officeDocument/2006/relationships" type="objOnly" preserve="1">
   <p:cSld name="Centered Text">
@@ -4262,6 +5271,153 @@
           </a:p>
         </p:txBody>
       </p:sp>
+    </p:spTree>
+  </p:cSld>
+</p:sldLayout>
+</file>
+
+<file path=ppt/slideLayouts/slideLayout60.xml><?xml version="1.0" encoding="utf-8"?>
+<p:sldLayout xmlns:a="http://schemas.openxmlformats.org/drawingml/2006/main" xmlns:p="http://schemas.openxmlformats.org/presentationml/2006/main" xmlns:r="http://schemas.openxmlformats.org/officeDocument/2006/relationships" type="blank" preserve="1">
+  <p:cSld name="Title, 6 Content">
+    <p:spTree>
+      <p:nvGrpSpPr>
+        <p:cNvPr id="1" name=""/>
+        <p:cNvGrpSpPr/>
+        <p:nvPr/>
+      </p:nvGrpSpPr>
+      <p:grpSpPr>
+        <a:xfrm>
+          <a:off x="0" y="0"/>
+          <a:ext cx="0" cy="0"/>
+          <a:chOff x="0" y="0"/>
+          <a:chExt cx="0" cy="0"/>
+        </a:xfrm>
+      </p:grpSpPr>
+      <p:sp>
+        <p:nvSpPr>
+          <p:cNvPr id="189" name="PlaceHolder 1"/>
+          <p:cNvSpPr>
+            <a:spLocks noGrp="1"/>
+          </p:cNvSpPr>
+          <p:nvPr>
+            <p:ph type="title"/>
+          </p:nvPr>
+        </p:nvSpPr>
+        <p:spPr>
+          <a:xfrm>
+            <a:off x="504000" y="301320"/>
+            <a:ext cx="9072000" cy="1261800"/>
+          </a:xfrm>
+          <a:prstGeom prst="rect">
+            <a:avLst/>
+          </a:prstGeom>
+        </p:spPr>
+        <p:txBody>
+          <a:bodyPr lIns="0" rIns="0" tIns="0" bIns="0" anchor="ctr"/>
+          <a:p>
+            <a:pPr algn="ctr"/>
+            <a:endParaRPr/>
+          </a:p>
+        </p:txBody>
+      </p:sp>
+      <p:sp>
+        <p:nvSpPr>
+          <p:cNvPr id="190" name="PlaceHolder 2"/>
+          <p:cNvSpPr>
+            <a:spLocks noGrp="1"/>
+          </p:cNvSpPr>
+          <p:nvPr>
+            <p:ph type="body"/>
+          </p:nvPr>
+        </p:nvSpPr>
+        <p:spPr>
+          <a:xfrm>
+            <a:off x="504000" y="1768680"/>
+            <a:ext cx="9072000" cy="4384080"/>
+          </a:xfrm>
+          <a:prstGeom prst="rect">
+            <a:avLst/>
+          </a:prstGeom>
+        </p:spPr>
+        <p:txBody>
+          <a:bodyPr lIns="0" rIns="0" tIns="0" bIns="0"/>
+          <a:p>
+            <a:endParaRPr/>
+          </a:p>
+        </p:txBody>
+      </p:sp>
+      <p:sp>
+        <p:nvSpPr>
+          <p:cNvPr id="191" name="PlaceHolder 3"/>
+          <p:cNvSpPr>
+            <a:spLocks noGrp="1"/>
+          </p:cNvSpPr>
+          <p:nvPr>
+            <p:ph type="body"/>
+          </p:nvPr>
+        </p:nvSpPr>
+        <p:spPr>
+          <a:xfrm>
+            <a:off x="504000" y="1768680"/>
+            <a:ext cx="9072000" cy="4384080"/>
+          </a:xfrm>
+          <a:prstGeom prst="rect">
+            <a:avLst/>
+          </a:prstGeom>
+        </p:spPr>
+        <p:txBody>
+          <a:bodyPr lIns="0" rIns="0" tIns="0" bIns="0"/>
+          <a:p>
+            <a:endParaRPr/>
+          </a:p>
+        </p:txBody>
+      </p:sp>
+      <p:pic>
+        <p:nvPicPr>
+          <p:cNvPr id="192" name="" descr=""/>
+          <p:cNvPicPr/>
+          <p:nvPr/>
+        </p:nvPicPr>
+        <p:blipFill>
+          <a:blip r:embed="rId2"/>
+          <a:stretch/>
+        </p:blipFill>
+        <p:spPr>
+          <a:xfrm>
+            <a:off x="2292480" y="1768680"/>
+            <a:ext cx="5494680" cy="4384080"/>
+          </a:xfrm>
+          <a:prstGeom prst="rect">
+            <a:avLst/>
+          </a:prstGeom>
+          <a:ln>
+            <a:noFill/>
+          </a:ln>
+        </p:spPr>
+      </p:pic>
+      <p:pic>
+        <p:nvPicPr>
+          <p:cNvPr id="193" name="" descr=""/>
+          <p:cNvPicPr/>
+          <p:nvPr/>
+        </p:nvPicPr>
+        <p:blipFill>
+          <a:blip r:embed="rId3"/>
+          <a:stretch/>
+        </p:blipFill>
+        <p:spPr>
+          <a:xfrm>
+            <a:off x="2292480" y="1768680"/>
+            <a:ext cx="5494680" cy="4384080"/>
+          </a:xfrm>
+          <a:prstGeom prst="rect">
+            <a:avLst/>
+          </a:prstGeom>
+          <a:ln>
+            <a:noFill/>
+          </a:ln>
+        </p:spPr>
+      </p:pic>
     </p:spTree>
   </p:cSld>
 </p:sldLayout>
@@ -4674,7 +5830,7 @@
         <p:spPr>
           <a:xfrm>
             <a:off x="0" y="3150000"/>
-            <a:ext cx="9719280" cy="1259280"/>
+            <a:ext cx="9718920" cy="1258920"/>
           </a:xfrm>
           <a:prstGeom prst="rect">
             <a:avLst/>
@@ -4705,8 +5861,8 @@
         </p:nvSpPr>
         <p:spPr>
           <a:xfrm>
-            <a:off x="360000" y="3330000"/>
-            <a:ext cx="9359280" cy="899280"/>
+            <a:off x="504000" y="301320"/>
+            <a:ext cx="9072000" cy="1261800"/>
           </a:xfrm>
           <a:prstGeom prst="rect">
             <a:avLst/>
@@ -4716,6 +5872,12 @@
           <a:bodyPr lIns="0" rIns="0" tIns="0" bIns="0" anchor="ctr"/>
           <a:p>
             <a:pPr algn="ctr"/>
+            <a:r>
+              <a:rPr lang="en-IN" sz="4400" spc="-1">
+                <a:latin typeface="Arial"/>
+              </a:rPr>
+              <a:t>Click to edit the title text format</a:t>
+            </a:r>
             <a:endParaRPr/>
           </a:p>
         </p:txBody>
@@ -4732,8 +5894,8 @@
         </p:nvSpPr>
         <p:spPr>
           <a:xfrm>
-            <a:off x="540000" y="4680000"/>
-            <a:ext cx="9179280" cy="2519280"/>
+            <a:off x="504000" y="1768680"/>
+            <a:ext cx="9072000" cy="4384080"/>
           </a:xfrm>
           <a:prstGeom prst="rect">
             <a:avLst/>
@@ -4751,7 +5913,7 @@
               <a:buChar char=""/>
             </a:pPr>
             <a:r>
-              <a:rPr lang="en-IN" sz="1800" spc="-1">
+              <a:rPr lang="en-IN" sz="3200" spc="-1">
                 <a:latin typeface="Arial"/>
               </a:rPr>
               <a:t>Click to edit the outline text format</a:t>
@@ -4768,7 +5930,7 @@
               <a:buChar char=""/>
             </a:pPr>
             <a:r>
-              <a:rPr lang="en-IN" sz="1800" spc="-1">
+              <a:rPr lang="en-IN" sz="2800" spc="-1">
                 <a:latin typeface="Arial"/>
               </a:rPr>
               <a:t>Second Outline Level</a:t>
@@ -4785,7 +5947,7 @@
               <a:buChar char=""/>
             </a:pPr>
             <a:r>
-              <a:rPr lang="en-IN" sz="1800" spc="-1">
+              <a:rPr lang="en-IN" sz="2400" spc="-1">
                 <a:latin typeface="Arial"/>
               </a:rPr>
               <a:t>Third Outline Level</a:t>
@@ -4802,7 +5964,7 @@
               <a:buChar char=""/>
             </a:pPr>
             <a:r>
-              <a:rPr lang="en-IN" sz="1800" spc="-1">
+              <a:rPr lang="en-IN" sz="2000" spc="-1">
                 <a:latin typeface="Arial"/>
               </a:rPr>
               <a:t>Fourth Outline Level</a:t>
@@ -4819,7 +5981,7 @@
               <a:buChar char=""/>
             </a:pPr>
             <a:r>
-              <a:rPr lang="en-IN" sz="1800" spc="-1">
+              <a:rPr lang="en-IN" sz="2000" spc="-1">
                 <a:latin typeface="Arial"/>
               </a:rPr>
               <a:t>Fifth Outline Level</a:t>
@@ -4836,7 +5998,7 @@
               <a:buChar char=""/>
             </a:pPr>
             <a:r>
-              <a:rPr lang="en-IN" sz="1800" spc="-1">
+              <a:rPr lang="en-IN" sz="2000" spc="-1">
                 <a:latin typeface="Arial"/>
               </a:rPr>
               <a:t>Sixth Outline Level</a:t>
@@ -4853,7 +6015,7 @@
               <a:buChar char=""/>
             </a:pPr>
             <a:r>
-              <a:rPr lang="en-IN" sz="1800" spc="-1">
+              <a:rPr lang="en-IN" sz="2000" spc="-1">
                 <a:latin typeface="Arial"/>
               </a:rPr>
               <a:t>Seventh Outline Level</a:t>
@@ -4908,7 +6070,7 @@
         <p:spPr>
           <a:xfrm>
             <a:off x="0" y="180000"/>
-            <a:ext cx="9719280" cy="1259280"/>
+            <a:ext cx="9718920" cy="1258920"/>
           </a:xfrm>
           <a:prstGeom prst="rect">
             <a:avLst/>
@@ -4936,7 +6098,7 @@
         <p:spPr>
           <a:xfrm>
             <a:off x="7560000" y="6840000"/>
-            <a:ext cx="2519280" cy="539280"/>
+            <a:ext cx="2518920" cy="538920"/>
           </a:xfrm>
           <a:prstGeom prst="rect">
             <a:avLst/>
@@ -4964,7 +6126,7 @@
         <p:spPr>
           <a:xfrm>
             <a:off x="900000" y="6840000"/>
-            <a:ext cx="6479280" cy="539280"/>
+            <a:ext cx="6478920" cy="538920"/>
           </a:xfrm>
           <a:prstGeom prst="rect">
             <a:avLst/>
@@ -4992,7 +6154,7 @@
         <p:spPr>
           <a:xfrm>
             <a:off x="180000" y="6840000"/>
-            <a:ext cx="539280" cy="539280"/>
+            <a:ext cx="538920" cy="538920"/>
           </a:xfrm>
           <a:prstGeom prst="rect">
             <a:avLst/>
@@ -5232,7 +6394,7 @@
         <p:spPr>
           <a:xfrm>
             <a:off x="0" y="180000"/>
-            <a:ext cx="9719280" cy="1259280"/>
+            <a:ext cx="9718920" cy="1258920"/>
           </a:xfrm>
           <a:prstGeom prst="rect">
             <a:avLst/>
@@ -5260,7 +6422,7 @@
         <p:spPr>
           <a:xfrm>
             <a:off x="7560000" y="6840000"/>
-            <a:ext cx="2519280" cy="539280"/>
+            <a:ext cx="2518920" cy="538920"/>
           </a:xfrm>
           <a:prstGeom prst="rect">
             <a:avLst/>
@@ -5288,7 +6450,7 @@
         <p:spPr>
           <a:xfrm>
             <a:off x="900000" y="6840000"/>
-            <a:ext cx="6479280" cy="539280"/>
+            <a:ext cx="6478920" cy="538920"/>
           </a:xfrm>
           <a:prstGeom prst="rect">
             <a:avLst/>
@@ -5316,7 +6478,7 @@
         <p:spPr>
           <a:xfrm>
             <a:off x="180000" y="6840000"/>
-            <a:ext cx="539280" cy="539280"/>
+            <a:ext cx="538920" cy="538920"/>
           </a:xfrm>
           <a:prstGeom prst="rect">
             <a:avLst/>
@@ -5347,8 +6509,8 @@
         </p:nvSpPr>
         <p:spPr>
           <a:xfrm>
-            <a:off x="360000" y="3330000"/>
-            <a:ext cx="9359280" cy="899280"/>
+            <a:off x="504000" y="301320"/>
+            <a:ext cx="9071640" cy="1261440"/>
           </a:xfrm>
           <a:prstGeom prst="rect">
             <a:avLst/>
@@ -5374,8 +6536,8 @@
         </p:nvSpPr>
         <p:spPr>
           <a:xfrm>
-            <a:off x="540000" y="4680000"/>
-            <a:ext cx="9179280" cy="2519280"/>
+            <a:off x="504000" y="1768680"/>
+            <a:ext cx="9071640" cy="4383720"/>
           </a:xfrm>
           <a:prstGeom prst="rect">
             <a:avLst/>
@@ -5549,8 +6711,8 @@
         </p:nvSpPr>
         <p:spPr>
           <a:xfrm>
-            <a:off x="0" y="3150000"/>
-            <a:ext cx="9719280" cy="1259280"/>
+            <a:off x="0" y="180000"/>
+            <a:ext cx="9718920" cy="1258920"/>
           </a:xfrm>
           <a:prstGeom prst="rect">
             <a:avLst/>
@@ -5558,7 +6720,7 @@
           <a:solidFill>
             <a:srgbClr val="e74c3c"/>
           </a:solidFill>
-          <a:ln>
+          <a:ln w="72000">
             <a:noFill/>
           </a:ln>
         </p:spPr>
@@ -5571,7 +6733,91 @@
       </p:sp>
       <p:sp>
         <p:nvSpPr>
-          <p:cNvPr id="118" name="PlaceHolder 2"/>
+          <p:cNvPr id="118" name="CustomShape 2"/>
+          <p:cNvSpPr/>
+          <p:nvPr/>
+        </p:nvSpPr>
+        <p:spPr>
+          <a:xfrm>
+            <a:off x="7560000" y="6840000"/>
+            <a:ext cx="2518920" cy="538920"/>
+          </a:xfrm>
+          <a:prstGeom prst="rect">
+            <a:avLst/>
+          </a:prstGeom>
+          <a:solidFill>
+            <a:srgbClr val="e74c3c"/>
+          </a:solidFill>
+          <a:ln w="72000">
+            <a:noFill/>
+          </a:ln>
+        </p:spPr>
+        <p:style>
+          <a:lnRef idx="0"/>
+          <a:fillRef idx="0"/>
+          <a:effectRef idx="0"/>
+          <a:fontRef idx="minor"/>
+        </p:style>
+      </p:sp>
+      <p:sp>
+        <p:nvSpPr>
+          <p:cNvPr id="119" name="CustomShape 3"/>
+          <p:cNvSpPr/>
+          <p:nvPr/>
+        </p:nvSpPr>
+        <p:spPr>
+          <a:xfrm>
+            <a:off x="900000" y="6840000"/>
+            <a:ext cx="6478920" cy="538920"/>
+          </a:xfrm>
+          <a:prstGeom prst="rect">
+            <a:avLst/>
+          </a:prstGeom>
+          <a:solidFill>
+            <a:srgbClr val="bdc3c7"/>
+          </a:solidFill>
+          <a:ln w="72000">
+            <a:noFill/>
+          </a:ln>
+        </p:spPr>
+        <p:style>
+          <a:lnRef idx="0"/>
+          <a:fillRef idx="0"/>
+          <a:effectRef idx="0"/>
+          <a:fontRef idx="minor"/>
+        </p:style>
+      </p:sp>
+      <p:sp>
+        <p:nvSpPr>
+          <p:cNvPr id="120" name="CustomShape 4"/>
+          <p:cNvSpPr/>
+          <p:nvPr/>
+        </p:nvSpPr>
+        <p:spPr>
+          <a:xfrm>
+            <a:off x="180000" y="6840000"/>
+            <a:ext cx="538920" cy="538920"/>
+          </a:xfrm>
+          <a:prstGeom prst="rect">
+            <a:avLst/>
+          </a:prstGeom>
+          <a:solidFill>
+            <a:srgbClr val="f44336"/>
+          </a:solidFill>
+          <a:ln w="72000">
+            <a:noFill/>
+          </a:ln>
+        </p:spPr>
+        <p:style>
+          <a:lnRef idx="0"/>
+          <a:fillRef idx="0"/>
+          <a:effectRef idx="0"/>
+          <a:fontRef idx="minor"/>
+        </p:style>
+      </p:sp>
+      <p:sp>
+        <p:nvSpPr>
+          <p:cNvPr id="121" name="PlaceHolder 5"/>
           <p:cNvSpPr>
             <a:spLocks noGrp="1"/>
           </p:cNvSpPr>
@@ -5604,7 +6850,7 @@
       </p:sp>
       <p:sp>
         <p:nvSpPr>
-          <p:cNvPr id="119" name="PlaceHolder 3"/>
+          <p:cNvPr id="122" name="PlaceHolder 6"/>
           <p:cNvSpPr>
             <a:spLocks noGrp="1"/>
           </p:cNvSpPr>
@@ -5760,6 +7006,246 @@
     <p:sldLayoutId id="2147483697" r:id="rId11"/>
     <p:sldLayoutId id="2147483698" r:id="rId12"/>
     <p:sldLayoutId id="2147483699" r:id="rId13"/>
+  </p:sldLayoutIdLst>
+</p:sldMaster>
+</file>
+
+<file path=ppt/slideMasters/slideMaster5.xml><?xml version="1.0" encoding="utf-8"?>
+<p:sldMaster xmlns:a="http://schemas.openxmlformats.org/drawingml/2006/main" xmlns:p="http://schemas.openxmlformats.org/presentationml/2006/main" xmlns:r="http://schemas.openxmlformats.org/officeDocument/2006/relationships">
+  <p:cSld>
+    <p:spTree>
+      <p:nvGrpSpPr>
+        <p:cNvPr id="1" name=""/>
+        <p:cNvGrpSpPr/>
+        <p:nvPr/>
+      </p:nvGrpSpPr>
+      <p:grpSpPr>
+        <a:xfrm>
+          <a:off x="0" y="0"/>
+          <a:ext cx="0" cy="0"/>
+          <a:chOff x="0" y="0"/>
+          <a:chExt cx="0" cy="0"/>
+        </a:xfrm>
+      </p:grpSpPr>
+      <p:sp>
+        <p:nvSpPr>
+          <p:cNvPr id="157" name="CustomShape 1"/>
+          <p:cNvSpPr/>
+          <p:nvPr/>
+        </p:nvSpPr>
+        <p:spPr>
+          <a:xfrm>
+            <a:off x="0" y="3150000"/>
+            <a:ext cx="9718920" cy="1258920"/>
+          </a:xfrm>
+          <a:prstGeom prst="rect">
+            <a:avLst/>
+          </a:prstGeom>
+          <a:solidFill>
+            <a:srgbClr val="e74c3c"/>
+          </a:solidFill>
+          <a:ln>
+            <a:noFill/>
+          </a:ln>
+        </p:spPr>
+        <p:style>
+          <a:lnRef idx="0"/>
+          <a:fillRef idx="0"/>
+          <a:effectRef idx="0"/>
+          <a:fontRef idx="minor"/>
+        </p:style>
+      </p:sp>
+      <p:sp>
+        <p:nvSpPr>
+          <p:cNvPr id="158" name="PlaceHolder 2"/>
+          <p:cNvSpPr>
+            <a:spLocks noGrp="1"/>
+          </p:cNvSpPr>
+          <p:nvPr>
+            <p:ph type="title"/>
+          </p:nvPr>
+        </p:nvSpPr>
+        <p:spPr>
+          <a:xfrm>
+            <a:off x="504000" y="301320"/>
+            <a:ext cx="9072000" cy="1261800"/>
+          </a:xfrm>
+          <a:prstGeom prst="rect">
+            <a:avLst/>
+          </a:prstGeom>
+        </p:spPr>
+        <p:txBody>
+          <a:bodyPr lIns="0" rIns="0" tIns="0" bIns="0" anchor="ctr"/>
+          <a:p>
+            <a:pPr algn="ctr"/>
+            <a:r>
+              <a:rPr lang="en-IN" sz="4400" spc="-1">
+                <a:latin typeface="Arial"/>
+              </a:rPr>
+              <a:t>Click to edit the title text format</a:t>
+            </a:r>
+            <a:endParaRPr/>
+          </a:p>
+        </p:txBody>
+      </p:sp>
+      <p:sp>
+        <p:nvSpPr>
+          <p:cNvPr id="159" name="PlaceHolder 3"/>
+          <p:cNvSpPr>
+            <a:spLocks noGrp="1"/>
+          </p:cNvSpPr>
+          <p:nvPr>
+            <p:ph type="body"/>
+          </p:nvPr>
+        </p:nvSpPr>
+        <p:spPr>
+          <a:xfrm>
+            <a:off x="504000" y="1768680"/>
+            <a:ext cx="9072000" cy="4384080"/>
+          </a:xfrm>
+          <a:prstGeom prst="rect">
+            <a:avLst/>
+          </a:prstGeom>
+        </p:spPr>
+        <p:txBody>
+          <a:bodyPr lIns="0" rIns="0" tIns="0" bIns="0"/>
+          <a:p>
+            <a:pPr marL="432000" indent="-324000">
+              <a:buClr>
+                <a:srgbClr val="ffffff"/>
+              </a:buClr>
+              <a:buSzPct val="45000"/>
+              <a:buFont typeface="StarSymbol"/>
+              <a:buChar char=""/>
+            </a:pPr>
+            <a:r>
+              <a:rPr lang="en-IN" sz="3200" spc="-1">
+                <a:latin typeface="Arial"/>
+              </a:rPr>
+              <a:t>Click to edit the outline text format</a:t>
+            </a:r>
+            <a:endParaRPr/>
+          </a:p>
+          <a:p>
+            <a:pPr lvl="1" marL="864000" indent="-324000">
+              <a:buClr>
+                <a:srgbClr val="ffffff"/>
+              </a:buClr>
+              <a:buSzPct val="75000"/>
+              <a:buFont typeface="StarSymbol"/>
+              <a:buChar char=""/>
+            </a:pPr>
+            <a:r>
+              <a:rPr lang="en-IN" sz="2800" spc="-1">
+                <a:latin typeface="Arial"/>
+              </a:rPr>
+              <a:t>Second Outline Level</a:t>
+            </a:r>
+            <a:endParaRPr/>
+          </a:p>
+          <a:p>
+            <a:pPr lvl="2" marL="1296000" indent="-288000">
+              <a:buClr>
+                <a:srgbClr val="ffffff"/>
+              </a:buClr>
+              <a:buSzPct val="45000"/>
+              <a:buFont typeface="StarSymbol"/>
+              <a:buChar char=""/>
+            </a:pPr>
+            <a:r>
+              <a:rPr lang="en-IN" sz="2400" spc="-1">
+                <a:latin typeface="Arial"/>
+              </a:rPr>
+              <a:t>Third Outline Level</a:t>
+            </a:r>
+            <a:endParaRPr/>
+          </a:p>
+          <a:p>
+            <a:pPr lvl="3" marL="1728000" indent="-216000">
+              <a:buClr>
+                <a:srgbClr val="ffffff"/>
+              </a:buClr>
+              <a:buSzPct val="75000"/>
+              <a:buFont typeface="StarSymbol"/>
+              <a:buChar char=""/>
+            </a:pPr>
+            <a:r>
+              <a:rPr lang="en-IN" sz="2000" spc="-1">
+                <a:latin typeface="Arial"/>
+              </a:rPr>
+              <a:t>Fourth Outline Level</a:t>
+            </a:r>
+            <a:endParaRPr/>
+          </a:p>
+          <a:p>
+            <a:pPr lvl="4" marL="2160000" indent="-216000">
+              <a:buClr>
+                <a:srgbClr val="ffffff"/>
+              </a:buClr>
+              <a:buSzPct val="45000"/>
+              <a:buFont typeface="StarSymbol"/>
+              <a:buChar char=""/>
+            </a:pPr>
+            <a:r>
+              <a:rPr lang="en-IN" sz="2000" spc="-1">
+                <a:latin typeface="Arial"/>
+              </a:rPr>
+              <a:t>Fifth Outline Level</a:t>
+            </a:r>
+            <a:endParaRPr/>
+          </a:p>
+          <a:p>
+            <a:pPr lvl="5" marL="2592000" indent="-216000">
+              <a:buClr>
+                <a:srgbClr val="ffffff"/>
+              </a:buClr>
+              <a:buSzPct val="45000"/>
+              <a:buFont typeface="StarSymbol"/>
+              <a:buChar char=""/>
+            </a:pPr>
+            <a:r>
+              <a:rPr lang="en-IN" sz="2000" spc="-1">
+                <a:latin typeface="Arial"/>
+              </a:rPr>
+              <a:t>Sixth Outline Level</a:t>
+            </a:r>
+            <a:endParaRPr/>
+          </a:p>
+          <a:p>
+            <a:pPr lvl="6" marL="3024000" indent="-216000">
+              <a:buClr>
+                <a:srgbClr val="ffffff"/>
+              </a:buClr>
+              <a:buSzPct val="45000"/>
+              <a:buFont typeface="StarSymbol"/>
+              <a:buChar char=""/>
+            </a:pPr>
+            <a:r>
+              <a:rPr lang="en-IN" sz="2000" spc="-1">
+                <a:latin typeface="Arial"/>
+              </a:rPr>
+              <a:t>Seventh Outline Level</a:t>
+            </a:r>
+            <a:endParaRPr/>
+          </a:p>
+        </p:txBody>
+      </p:sp>
+    </p:spTree>
+  </p:cSld>
+  <p:clrMap bg1="lt1" bg2="lt2" tx1="dk1" tx2="dk2" accent1="accent1" accent2="accent2" accent3="accent3" accent4="accent4" accent5="accent5" accent6="accent6" hlink="hlink" folHlink="folHlink"/>
+  <p:sldLayoutIdLst>
+    <p:sldLayoutId id="2147483701" r:id="rId2"/>
+    <p:sldLayoutId id="2147483702" r:id="rId3"/>
+    <p:sldLayoutId id="2147483703" r:id="rId4"/>
+    <p:sldLayoutId id="2147483704" r:id="rId5"/>
+    <p:sldLayoutId id="2147483705" r:id="rId6"/>
+    <p:sldLayoutId id="2147483706" r:id="rId7"/>
+    <p:sldLayoutId id="2147483707" r:id="rId8"/>
+    <p:sldLayoutId id="2147483708" r:id="rId9"/>
+    <p:sldLayoutId id="2147483709" r:id="rId10"/>
+    <p:sldLayoutId id="2147483710" r:id="rId11"/>
+    <p:sldLayoutId id="2147483711" r:id="rId12"/>
+    <p:sldLayoutId id="2147483712" r:id="rId13"/>
   </p:sldLayoutIdLst>
 </p:sldMaster>
 </file>
@@ -5783,14 +7269,14 @@
       </p:grpSpPr>
       <p:sp>
         <p:nvSpPr>
-          <p:cNvPr id="154" name="CustomShape 1"/>
+          <p:cNvPr id="194" name="CustomShape 1"/>
           <p:cNvSpPr/>
           <p:nvPr/>
         </p:nvSpPr>
         <p:spPr>
           <a:xfrm>
             <a:off x="360000" y="3330000"/>
-            <a:ext cx="9359280" cy="899280"/>
+            <a:ext cx="9358920" cy="898920"/>
           </a:xfrm>
           <a:prstGeom prst="rect">
             <a:avLst/>
@@ -5835,14 +7321,14 @@
       </p:sp>
       <p:sp>
         <p:nvSpPr>
-          <p:cNvPr id="155" name="CustomShape 2"/>
+          <p:cNvPr id="195" name="CustomShape 2"/>
           <p:cNvSpPr/>
           <p:nvPr/>
         </p:nvSpPr>
         <p:spPr>
           <a:xfrm>
             <a:off x="540000" y="4680000"/>
-            <a:ext cx="9179280" cy="2519280"/>
+            <a:ext cx="9178920" cy="2518920"/>
           </a:xfrm>
           <a:prstGeom prst="rect">
             <a:avLst/>
@@ -5954,7 +7440,7 @@
       </p:sp>
       <p:pic>
         <p:nvPicPr>
-          <p:cNvPr id="156" name="" descr=""/>
+          <p:cNvPr id="196" name="" descr=""/>
           <p:cNvPicPr/>
           <p:nvPr/>
         </p:nvPicPr>
@@ -5965,7 +7451,7 @@
         <p:spPr>
           <a:xfrm>
             <a:off x="3528360" y="280080"/>
-            <a:ext cx="2801160" cy="2776680"/>
+            <a:ext cx="2800800" cy="2776320"/>
           </a:xfrm>
           <a:prstGeom prst="rect">
             <a:avLst/>
@@ -6026,14 +7512,14 @@
       </p:grpSpPr>
       <p:sp>
         <p:nvSpPr>
-          <p:cNvPr id="182" name="CustomShape 1"/>
+          <p:cNvPr id="222" name="CustomShape 1"/>
           <p:cNvSpPr/>
           <p:nvPr/>
         </p:nvSpPr>
         <p:spPr>
           <a:xfrm>
             <a:off x="360000" y="227880"/>
-            <a:ext cx="9359280" cy="899280"/>
+            <a:ext cx="9358920" cy="898920"/>
           </a:xfrm>
           <a:prstGeom prst="rect">
             <a:avLst/>
@@ -6073,14 +7559,14 @@
       </p:sp>
       <p:sp>
         <p:nvSpPr>
-          <p:cNvPr id="183" name="CustomShape 2"/>
+          <p:cNvPr id="223" name="CustomShape 2"/>
           <p:cNvSpPr/>
           <p:nvPr/>
         </p:nvSpPr>
         <p:spPr>
           <a:xfrm>
             <a:off x="360000" y="1980000"/>
-            <a:ext cx="9179280" cy="4679280"/>
+            <a:ext cx="9178920" cy="4678920"/>
           </a:xfrm>
           <a:prstGeom prst="rect">
             <a:avLst/>
@@ -6099,7 +7585,7 @@
         <p:txBody>
           <a:bodyPr lIns="0" rIns="0" tIns="0" bIns="0"/>
           <a:p>
-            <a:pPr marL="216000" indent="-215640">
+            <a:pPr marL="216000" indent="-215280">
               <a:lnSpc>
                 <a:spcPct val="100000"/>
               </a:lnSpc>
@@ -6155,7 +7641,7 @@
             <a:endParaRPr/>
           </a:p>
           <a:p>
-            <a:pPr marL="216000" indent="-215640">
+            <a:pPr marL="216000" indent="-215280">
               <a:lnSpc>
                 <a:spcPct val="100000"/>
               </a:lnSpc>
@@ -6211,7 +7697,7 @@
             <a:endParaRPr/>
           </a:p>
           <a:p>
-            <a:pPr marL="216000" indent="-215640">
+            <a:pPr marL="216000" indent="-215280">
               <a:lnSpc>
                 <a:spcPct val="100000"/>
               </a:lnSpc>
@@ -6267,7 +7753,7 @@
             <a:endParaRPr/>
           </a:p>
           <a:p>
-            <a:pPr marL="216000" indent="-215640">
+            <a:pPr marL="216000" indent="-215280">
               <a:lnSpc>
                 <a:spcPct val="100000"/>
               </a:lnSpc>
@@ -6323,7 +7809,7 @@
             <a:endParaRPr/>
           </a:p>
           <a:p>
-            <a:pPr marL="216000" indent="-215640">
+            <a:pPr marL="216000" indent="-215280">
               <a:lnSpc>
                 <a:spcPct val="100000"/>
               </a:lnSpc>
@@ -6379,7 +7865,7 @@
             <a:endParaRPr/>
           </a:p>
           <a:p>
-            <a:pPr marL="216000" indent="-215640">
+            <a:pPr marL="216000" indent="-215280">
               <a:lnSpc>
                 <a:spcPct val="100000"/>
               </a:lnSpc>
@@ -6450,7 +7936,7 @@
             <a:endParaRPr/>
           </a:p>
           <a:p>
-            <a:pPr marL="216000" indent="-215640">
+            <a:pPr marL="216000" indent="-215280">
               <a:lnSpc>
                 <a:spcPct val="100000"/>
               </a:lnSpc>
@@ -6509,7 +7995,7 @@
       </p:sp>
       <p:pic>
         <p:nvPicPr>
-          <p:cNvPr id="184" name="" descr=""/>
+          <p:cNvPr id="224" name="" descr=""/>
           <p:cNvPicPr/>
           <p:nvPr/>
         </p:nvPicPr>
@@ -6520,7 +8006,7 @@
         <p:spPr>
           <a:xfrm>
             <a:off x="8404560" y="208080"/>
-            <a:ext cx="1315440" cy="1303920"/>
+            <a:ext cx="1315080" cy="1303560"/>
           </a:xfrm>
           <a:prstGeom prst="rect">
             <a:avLst/>
@@ -6581,14 +8067,14 @@
       </p:grpSpPr>
       <p:sp>
         <p:nvSpPr>
-          <p:cNvPr id="185" name="CustomShape 1"/>
+          <p:cNvPr id="225" name="CustomShape 1"/>
           <p:cNvSpPr/>
           <p:nvPr/>
         </p:nvSpPr>
         <p:spPr>
           <a:xfrm>
             <a:off x="360000" y="360000"/>
-            <a:ext cx="9359280" cy="899280"/>
+            <a:ext cx="9358920" cy="898920"/>
           </a:xfrm>
           <a:prstGeom prst="rect">
             <a:avLst/>
@@ -6628,7 +8114,7 @@
       </p:sp>
       <p:pic>
         <p:nvPicPr>
-          <p:cNvPr id="186" name="" descr=""/>
+          <p:cNvPr id="226" name="" descr=""/>
           <p:cNvPicPr/>
           <p:nvPr/>
         </p:nvPicPr>
@@ -6639,7 +8125,7 @@
         <p:spPr>
           <a:xfrm>
             <a:off x="159480" y="1935360"/>
-            <a:ext cx="9919800" cy="4244400"/>
+            <a:ext cx="9919440" cy="4244040"/>
           </a:xfrm>
           <a:prstGeom prst="rect">
             <a:avLst/>
@@ -6651,7 +8137,7 @@
       </p:pic>
       <p:pic>
         <p:nvPicPr>
-          <p:cNvPr id="187" name="" descr=""/>
+          <p:cNvPr id="227" name="" descr=""/>
           <p:cNvPicPr/>
           <p:nvPr/>
         </p:nvPicPr>
@@ -6662,7 +8148,7 @@
         <p:spPr>
           <a:xfrm>
             <a:off x="8404560" y="208080"/>
-            <a:ext cx="1315440" cy="1303920"/>
+            <a:ext cx="1315080" cy="1303560"/>
           </a:xfrm>
           <a:prstGeom prst="rect">
             <a:avLst/>
@@ -6674,7 +8160,7 @@
       </p:pic>
       <p:pic>
         <p:nvPicPr>
-          <p:cNvPr id="188" name="" descr=""/>
+          <p:cNvPr id="228" name="" descr=""/>
           <p:cNvPicPr/>
           <p:nvPr/>
         </p:nvPicPr>
@@ -6685,7 +8171,7 @@
         <p:spPr>
           <a:xfrm>
             <a:off x="8404560" y="208080"/>
-            <a:ext cx="1315440" cy="1303920"/>
+            <a:ext cx="1315080" cy="1303560"/>
           </a:xfrm>
           <a:prstGeom prst="rect">
             <a:avLst/>
@@ -6746,14 +8232,14 @@
       </p:grpSpPr>
       <p:sp>
         <p:nvSpPr>
-          <p:cNvPr id="189" name="CustomShape 1"/>
+          <p:cNvPr id="229" name="CustomShape 1"/>
           <p:cNvSpPr/>
           <p:nvPr/>
         </p:nvSpPr>
         <p:spPr>
           <a:xfrm>
             <a:off x="360000" y="360000"/>
-            <a:ext cx="9359280" cy="899280"/>
+            <a:ext cx="9358920" cy="898920"/>
           </a:xfrm>
           <a:prstGeom prst="rect">
             <a:avLst/>
@@ -6793,7 +8279,7 @@
       </p:sp>
       <p:pic>
         <p:nvPicPr>
-          <p:cNvPr id="190" name="" descr=""/>
+          <p:cNvPr id="230" name="" descr=""/>
           <p:cNvPicPr/>
           <p:nvPr/>
         </p:nvPicPr>
@@ -6804,7 +8290,7 @@
         <p:spPr>
           <a:xfrm>
             <a:off x="1046520" y="1980000"/>
-            <a:ext cx="7806240" cy="4679280"/>
+            <a:ext cx="7805880" cy="4678920"/>
           </a:xfrm>
           <a:prstGeom prst="rect">
             <a:avLst/>
@@ -6865,14 +8351,14 @@
       </p:grpSpPr>
       <p:sp>
         <p:nvSpPr>
-          <p:cNvPr id="191" name="TextShape 1"/>
-          <p:cNvSpPr txBox="1"/>
+          <p:cNvPr id="231" name="CustomShape 1"/>
+          <p:cNvSpPr/>
           <p:nvPr/>
         </p:nvSpPr>
         <p:spPr>
           <a:xfrm>
             <a:off x="504000" y="301320"/>
-            <a:ext cx="9072000" cy="1261800"/>
+            <a:ext cx="9071640" cy="1261440"/>
           </a:xfrm>
           <a:prstGeom prst="rect">
             <a:avLst/>
@@ -6882,18 +8368,38 @@
             <a:noFill/>
           </a:ln>
         </p:spPr>
+        <p:style>
+          <a:lnRef idx="0"/>
+          <a:fillRef idx="0"/>
+          <a:effectRef idx="0"/>
+          <a:fontRef idx="minor"/>
+        </p:style>
         <p:txBody>
           <a:bodyPr lIns="0" rIns="0" tIns="0" bIns="0" anchor="ctr"/>
           <a:p>
-            <a:pPr algn="ctr"/>
-            <a:r>
-              <a:rPr lang="en-IN" sz="4400" spc="-1">
+            <a:pPr algn="ctr">
+              <a:lnSpc>
+                <a:spcPct val="100000"/>
+              </a:lnSpc>
+            </a:pPr>
+            <a:r>
+              <a:rPr lang="en-IN" sz="4400" spc="-1" strike="noStrike">
+                <a:uFill>
+                  <a:solidFill>
+                    <a:srgbClr val="ffffff"/>
+                  </a:solidFill>
+                </a:uFill>
                 <a:latin typeface="Arial"/>
               </a:rPr>
               <a:t>Rough Estimate</a:t>
             </a:r>
             <a:r>
-              <a:rPr lang="en-IN" sz="4400" spc="-1">
+              <a:rPr lang="en-IN" sz="4400" spc="-1" strike="noStrike">
+                <a:uFill>
+                  <a:solidFill>
+                    <a:srgbClr val="ffffff"/>
+                  </a:solidFill>
+                </a:uFill>
                 <a:latin typeface="Arial"/>
               </a:rPr>
               <a:t>	</a:t>
@@ -6904,13 +8410,13 @@
       </p:sp>
       <p:graphicFrame>
         <p:nvGraphicFramePr>
-          <p:cNvPr id="192" name="Table 2"/>
+          <p:cNvPr id="232" name="Table 2"/>
           <p:cNvGraphicFramePr/>
           <p:nvPr/>
         </p:nvGraphicFramePr>
         <p:xfrm>
           <a:off x="430560" y="1686240"/>
-          <a:ext cx="9071640" cy="3991320"/>
+          <a:ext cx="9071640" cy="4990680"/>
         </p:xfrm>
         <a:graphic>
           <a:graphicData uri="http://schemas.openxmlformats.org/drawingml/2006/table">
@@ -6923,11 +8429,20 @@
               <a:tr h="997200">
                 <a:tc>
                   <a:txBody>
-                    <a:bodyPr lIns="90000" rIns="90000" tIns="46800" bIns="46800"/>
+                    <a:bodyPr lIns="90000" rIns="90000"/>
                     <a:p>
-                      <a:pPr algn="ctr"/>
+                      <a:pPr algn="ctr">
+                        <a:lnSpc>
+                          <a:spcPct val="100000"/>
+                        </a:lnSpc>
+                      </a:pPr>
                       <a:r>
-                        <a:rPr lang="en-IN" sz="1800" spc="-1">
+                        <a:rPr lang="en-IN" sz="1800" spc="-1" strike="noStrike">
+                          <a:uFill>
+                            <a:solidFill>
+                              <a:srgbClr val="ffffff"/>
+                            </a:solidFill>
+                          </a:uFill>
                           <a:latin typeface="Arial"/>
                         </a:rPr>
                         <a:t>PRODUCT</a:t>
@@ -6963,11 +8478,20 @@
                 </a:tc>
                 <a:tc>
                   <a:txBody>
-                    <a:bodyPr lIns="90000" rIns="90000" tIns="46800" bIns="46800"/>
+                    <a:bodyPr lIns="90000" rIns="90000"/>
                     <a:p>
-                      <a:pPr algn="ctr"/>
+                      <a:pPr algn="ctr">
+                        <a:lnSpc>
+                          <a:spcPct val="100000"/>
+                        </a:lnSpc>
+                      </a:pPr>
                       <a:r>
-                        <a:rPr lang="en-IN" sz="1800" spc="-1">
+                        <a:rPr lang="en-IN" sz="1800" spc="-1" strike="noStrike">
+                          <a:uFill>
+                            <a:solidFill>
+                              <a:srgbClr val="ffffff"/>
+                            </a:solidFill>
+                          </a:uFill>
                           <a:latin typeface="Arial"/>
                         </a:rPr>
                         <a:t>COST</a:t>
@@ -7005,11 +8529,20 @@
               <a:tr h="997200">
                 <a:tc>
                   <a:txBody>
-                    <a:bodyPr lIns="90000" rIns="90000" tIns="46800" bIns="46800"/>
+                    <a:bodyPr lIns="90000" rIns="90000"/>
                     <a:p>
-                      <a:pPr algn="just"/>
+                      <a:pPr algn="just">
+                        <a:lnSpc>
+                          <a:spcPct val="100000"/>
+                        </a:lnSpc>
+                      </a:pPr>
                       <a:r>
-                        <a:rPr lang="en-IN" sz="2000" spc="-1">
+                        <a:rPr lang="en-IN" sz="2000" spc="-1" strike="noStrike">
+                          <a:uFill>
+                            <a:solidFill>
+                              <a:srgbClr val="ffffff"/>
+                            </a:solidFill>
+                          </a:uFill>
                           <a:latin typeface="Times New Roman"/>
                         </a:rPr>
                         <a:t>Distributed Cluster Server + 96GB Ram </a:t>
@@ -7017,9 +8550,18 @@
                       <a:endParaRPr/>
                     </a:p>
                     <a:p>
-                      <a:pPr algn="just"/>
+                      <a:pPr algn="just">
+                        <a:lnSpc>
+                          <a:spcPct val="100000"/>
+                        </a:lnSpc>
+                      </a:pPr>
                       <a:r>
-                        <a:rPr lang="en-IN" sz="2000" spc="-1">
+                        <a:rPr lang="en-IN" sz="2000" spc="-1" strike="noStrike">
+                          <a:uFill>
+                            <a:solidFill>
+                              <a:srgbClr val="ffffff"/>
+                            </a:solidFill>
+                          </a:uFill>
                           <a:latin typeface="Times New Roman"/>
                         </a:rPr>
                         <a:t>(Optional)</a:t>
@@ -7055,17 +8597,31 @@
                 </a:tc>
                 <a:tc>
                   <a:txBody>
-                    <a:bodyPr lIns="90000" rIns="90000" tIns="46800" bIns="46800"/>
+                    <a:bodyPr lIns="90000" rIns="90000"/>
                     <a:p>
-                      <a:pPr algn="just"/>
+                      <a:pPr algn="just">
+                        <a:lnSpc>
+                          <a:spcPct val="100000"/>
+                        </a:lnSpc>
+                      </a:pPr>
                       <a:r>
-                        <a:rPr lang="en-IN" sz="2000" spc="-1">
+                        <a:rPr lang="en-IN" sz="2000" spc="-1" strike="noStrike">
+                          <a:uFill>
+                            <a:solidFill>
+                              <a:srgbClr val="ffffff"/>
+                            </a:solidFill>
+                          </a:uFill>
                           <a:latin typeface="Times New Roman"/>
                         </a:rPr>
                         <a:t>₹</a:t>
                       </a:r>
                       <a:r>
-                        <a:rPr lang="en-IN" sz="2000" spc="-1">
+                        <a:rPr lang="en-IN" sz="2000" spc="-1" strike="noStrike">
+                          <a:uFill>
+                            <a:solidFill>
+                              <a:srgbClr val="ffffff"/>
+                            </a:solidFill>
+                          </a:uFill>
                           <a:latin typeface="Times New Roman"/>
                         </a:rPr>
                         <a:t>1,00,000/-</a:t>
@@ -7103,11 +8659,20 @@
               <a:tr h="997200">
                 <a:tc>
                   <a:txBody>
-                    <a:bodyPr lIns="90000" rIns="90000" tIns="46800" bIns="46800"/>
+                    <a:bodyPr lIns="90000" rIns="90000"/>
                     <a:p>
-                      <a:pPr algn="just"/>
+                      <a:pPr algn="just">
+                        <a:lnSpc>
+                          <a:spcPct val="100000"/>
+                        </a:lnSpc>
+                      </a:pPr>
                       <a:r>
-                        <a:rPr lang="en-IN" sz="2000" spc="-1">
+                        <a:rPr lang="en-IN" sz="2000" spc="-1" strike="noStrike">
+                          <a:uFill>
+                            <a:solidFill>
+                              <a:srgbClr val="ffffff"/>
+                            </a:solidFill>
+                          </a:uFill>
                           <a:latin typeface="Times New Roman"/>
                         </a:rPr>
                         <a:t>Cloud Storage</a:t>
@@ -7115,6 +8680,11 @@
                       <a:endParaRPr/>
                     </a:p>
                     <a:p>
+                      <a:pPr>
+                        <a:lnSpc>
+                          <a:spcPct val="100000"/>
+                        </a:lnSpc>
+                      </a:pPr>
                       <a:endParaRPr/>
                     </a:p>
                   </a:txBody>
@@ -7146,17 +8716,31 @@
                 </a:tc>
                 <a:tc>
                   <a:txBody>
-                    <a:bodyPr lIns="90000" rIns="90000" tIns="46800" bIns="46800"/>
+                    <a:bodyPr lIns="90000" rIns="90000"/>
                     <a:p>
-                      <a:pPr algn="just"/>
+                      <a:pPr algn="just">
+                        <a:lnSpc>
+                          <a:spcPct val="100000"/>
+                        </a:lnSpc>
+                      </a:pPr>
                       <a:r>
-                        <a:rPr lang="en-IN" sz="2000" spc="-1">
+                        <a:rPr lang="en-IN" sz="2000" spc="-1" strike="noStrike">
+                          <a:uFill>
+                            <a:solidFill>
+                              <a:srgbClr val="ffffff"/>
+                            </a:solidFill>
+                          </a:uFill>
                           <a:latin typeface="Times New Roman"/>
                         </a:rPr>
                         <a:t>₹</a:t>
                       </a:r>
                       <a:r>
-                        <a:rPr lang="en-IN" sz="2000" spc="-1">
+                        <a:rPr lang="en-IN" sz="2000" spc="-1" strike="noStrike">
+                          <a:uFill>
+                            <a:solidFill>
+                              <a:srgbClr val="ffffff"/>
+                            </a:solidFill>
+                          </a:uFill>
                           <a:latin typeface="Times New Roman"/>
                         </a:rPr>
                         <a:t>2,000/-</a:t>
@@ -7194,11 +8778,20 @@
               <a:tr h="999720">
                 <a:tc>
                   <a:txBody>
-                    <a:bodyPr lIns="90000" rIns="90000" tIns="46800" bIns="46800"/>
+                    <a:bodyPr lIns="90000" rIns="90000"/>
                     <a:p>
-                      <a:pPr algn="just"/>
+                      <a:pPr algn="just">
+                        <a:lnSpc>
+                          <a:spcPct val="100000"/>
+                        </a:lnSpc>
+                      </a:pPr>
                       <a:r>
-                        <a:rPr lang="en-IN" sz="2000" spc="-1">
+                        <a:rPr lang="en-IN" sz="2000" spc="-1" strike="noStrike">
+                          <a:uFill>
+                            <a:solidFill>
+                              <a:srgbClr val="ffffff"/>
+                            </a:solidFill>
+                          </a:uFill>
                           <a:latin typeface="Times New Roman"/>
                         </a:rPr>
                         <a:t>Input Training Dataset</a:t>
@@ -7234,17 +8827,31 @@
                 </a:tc>
                 <a:tc>
                   <a:txBody>
-                    <a:bodyPr lIns="90000" rIns="90000" tIns="46800" bIns="46800"/>
+                    <a:bodyPr lIns="90000" rIns="90000"/>
                     <a:p>
-                      <a:pPr algn="just"/>
+                      <a:pPr algn="just">
+                        <a:lnSpc>
+                          <a:spcPct val="100000"/>
+                        </a:lnSpc>
+                      </a:pPr>
                       <a:r>
-                        <a:rPr lang="en-IN" sz="2000" spc="-1">
+                        <a:rPr lang="en-IN" sz="2000" spc="-1" strike="noStrike">
+                          <a:uFill>
+                            <a:solidFill>
+                              <a:srgbClr val="ffffff"/>
+                            </a:solidFill>
+                          </a:uFill>
                           <a:latin typeface="Times New Roman"/>
                         </a:rPr>
                         <a:t>₹</a:t>
                       </a:r>
                       <a:r>
-                        <a:rPr lang="en-IN" sz="2000" spc="-1">
+                        <a:rPr lang="en-IN" sz="2000" spc="-1" strike="noStrike">
+                          <a:uFill>
+                            <a:solidFill>
+                              <a:srgbClr val="ffffff"/>
+                            </a:solidFill>
+                          </a:uFill>
                           <a:latin typeface="Times New Roman"/>
                         </a:rPr>
                         <a:t>5,000/-</a:t>
@@ -7282,11 +8889,20 @@
               <a:tr h="999720">
                 <a:tc>
                   <a:txBody>
-                    <a:bodyPr lIns="90000" rIns="90000" tIns="46800" bIns="46800"/>
+                    <a:bodyPr lIns="90000" rIns="90000"/>
                     <a:p>
-                      <a:pPr algn="just"/>
+                      <a:pPr algn="just">
+                        <a:lnSpc>
+                          <a:spcPct val="100000"/>
+                        </a:lnSpc>
+                      </a:pPr>
                       <a:r>
-                        <a:rPr lang="en-IN" sz="2000" spc="-1">
+                        <a:rPr lang="en-IN" sz="2000" spc="-1" strike="noStrike">
+                          <a:uFill>
+                            <a:solidFill>
+                              <a:srgbClr val="ffffff"/>
+                            </a:solidFill>
+                          </a:uFill>
                           <a:latin typeface="Times New Roman"/>
                         </a:rPr>
                         <a:t>Data Streams</a:t>
@@ -7322,17 +8938,31 @@
                 </a:tc>
                 <a:tc>
                   <a:txBody>
-                    <a:bodyPr lIns="90000" rIns="90000" tIns="46800" bIns="46800"/>
+                    <a:bodyPr lIns="90000" rIns="90000"/>
                     <a:p>
-                      <a:pPr algn="just"/>
+                      <a:pPr algn="just">
+                        <a:lnSpc>
+                          <a:spcPct val="100000"/>
+                        </a:lnSpc>
+                      </a:pPr>
                       <a:r>
-                        <a:rPr lang="en-IN" sz="2000" spc="-1">
+                        <a:rPr lang="en-IN" sz="2000" spc="-1" strike="noStrike">
+                          <a:uFill>
+                            <a:solidFill>
+                              <a:srgbClr val="ffffff"/>
+                            </a:solidFill>
+                          </a:uFill>
                           <a:latin typeface="Times New Roman"/>
                         </a:rPr>
                         <a:t>₹</a:t>
                       </a:r>
                       <a:r>
-                        <a:rPr lang="en-IN" sz="2000" spc="-1">
+                        <a:rPr lang="en-IN" sz="2000" spc="-1" strike="noStrike">
+                          <a:uFill>
+                            <a:solidFill>
+                              <a:srgbClr val="ffffff"/>
+                            </a:solidFill>
+                          </a:uFill>
                           <a:latin typeface="Times New Roman"/>
                         </a:rPr>
                         <a:t>4,500/-</a:t>
@@ -7422,14 +9052,14 @@
       </p:grpSpPr>
       <p:sp>
         <p:nvSpPr>
-          <p:cNvPr id="193" name="CustomShape 1"/>
+          <p:cNvPr id="233" name="CustomShape 1"/>
           <p:cNvSpPr/>
           <p:nvPr/>
         </p:nvSpPr>
         <p:spPr>
           <a:xfrm>
             <a:off x="216000" y="432000"/>
-            <a:ext cx="9359280" cy="899280"/>
+            <a:ext cx="9358920" cy="898920"/>
           </a:xfrm>
           <a:prstGeom prst="rect">
             <a:avLst/>
@@ -7455,12 +9085,16 @@
             </a:pPr>
             <a:r>
               <a:rPr lang="en-IN" sz="4400" spc="-1" strike="noStrike">
+                <a:solidFill>
+                  <a:srgbClr val="000000"/>
+                </a:solidFill>
                 <a:uFill>
                   <a:solidFill>
                     <a:srgbClr val="ffffff"/>
                   </a:solidFill>
                 </a:uFill>
                 <a:latin typeface="Arial"/>
+                <a:ea typeface="DejaVu Sans"/>
               </a:rPr>
               <a:t>Visualization</a:t>
             </a:r>
@@ -7470,7 +9104,7 @@
       </p:sp>
       <p:pic>
         <p:nvPicPr>
-          <p:cNvPr id="194" name="" descr=""/>
+          <p:cNvPr id="234" name="" descr=""/>
           <p:cNvPicPr/>
           <p:nvPr/>
         </p:nvPicPr>
@@ -7481,7 +9115,7 @@
         <p:spPr>
           <a:xfrm>
             <a:off x="1003680" y="1512000"/>
-            <a:ext cx="7419960" cy="5362560"/>
+            <a:ext cx="7419600" cy="5362200"/>
           </a:xfrm>
           <a:prstGeom prst="rect">
             <a:avLst/>
@@ -7493,7 +9127,7 @@
       </p:pic>
       <p:pic>
         <p:nvPicPr>
-          <p:cNvPr id="195" name="" descr=""/>
+          <p:cNvPr id="235" name="" descr=""/>
           <p:cNvPicPr/>
           <p:nvPr/>
         </p:nvPicPr>
@@ -7504,7 +9138,7 @@
         <p:spPr>
           <a:xfrm>
             <a:off x="8404560" y="208080"/>
-            <a:ext cx="1315440" cy="1303920"/>
+            <a:ext cx="1315080" cy="1303560"/>
           </a:xfrm>
           <a:prstGeom prst="rect">
             <a:avLst/>
@@ -7565,14 +9199,14 @@
       </p:grpSpPr>
       <p:sp>
         <p:nvSpPr>
-          <p:cNvPr id="196" name="CustomShape 1"/>
+          <p:cNvPr id="236" name="CustomShape 1"/>
           <p:cNvSpPr/>
           <p:nvPr/>
         </p:nvSpPr>
         <p:spPr>
           <a:xfrm>
             <a:off x="216000" y="432000"/>
-            <a:ext cx="9359280" cy="899280"/>
+            <a:ext cx="9358920" cy="898920"/>
           </a:xfrm>
           <a:prstGeom prst="rect">
             <a:avLst/>
@@ -7598,12 +9232,16 @@
             </a:pPr>
             <a:r>
               <a:rPr lang="en-IN" sz="4400" spc="-1" strike="noStrike">
+                <a:solidFill>
+                  <a:srgbClr val="000000"/>
+                </a:solidFill>
                 <a:uFill>
                   <a:solidFill>
                     <a:srgbClr val="ffffff"/>
                   </a:solidFill>
                 </a:uFill>
                 <a:latin typeface="Arial"/>
+                <a:ea typeface="DejaVu Sans"/>
               </a:rPr>
               <a:t>Visualization</a:t>
             </a:r>
@@ -7613,7 +9251,7 @@
       </p:sp>
       <p:pic>
         <p:nvPicPr>
-          <p:cNvPr id="197" name="" descr=""/>
+          <p:cNvPr id="237" name="" descr=""/>
           <p:cNvPicPr/>
           <p:nvPr/>
         </p:nvPicPr>
@@ -7624,7 +9262,7 @@
         <p:spPr>
           <a:xfrm>
             <a:off x="1326960" y="1512000"/>
-            <a:ext cx="7224480" cy="5327640"/>
+            <a:ext cx="7224120" cy="5327280"/>
           </a:xfrm>
           <a:prstGeom prst="rect">
             <a:avLst/>
@@ -7636,7 +9274,7 @@
       </p:pic>
       <p:pic>
         <p:nvPicPr>
-          <p:cNvPr id="198" name="" descr=""/>
+          <p:cNvPr id="238" name="" descr=""/>
           <p:cNvPicPr/>
           <p:nvPr/>
         </p:nvPicPr>
@@ -7647,7 +9285,7 @@
         <p:spPr>
           <a:xfrm>
             <a:off x="8404560" y="208080"/>
-            <a:ext cx="1315440" cy="1303920"/>
+            <a:ext cx="1315080" cy="1303560"/>
           </a:xfrm>
           <a:prstGeom prst="rect">
             <a:avLst/>
@@ -7708,14 +9346,14 @@
       </p:grpSpPr>
       <p:sp>
         <p:nvSpPr>
-          <p:cNvPr id="199" name="CustomShape 1"/>
+          <p:cNvPr id="239" name="CustomShape 1"/>
           <p:cNvSpPr/>
           <p:nvPr/>
         </p:nvSpPr>
         <p:spPr>
           <a:xfrm>
             <a:off x="216000" y="432000"/>
-            <a:ext cx="9359280" cy="899280"/>
+            <a:ext cx="9358920" cy="898920"/>
           </a:xfrm>
           <a:prstGeom prst="rect">
             <a:avLst/>
@@ -7741,12 +9379,16 @@
             </a:pPr>
             <a:r>
               <a:rPr lang="en-IN" sz="4400" spc="-1" strike="noStrike">
+                <a:solidFill>
+                  <a:srgbClr val="000000"/>
+                </a:solidFill>
                 <a:uFill>
                   <a:solidFill>
                     <a:srgbClr val="ffffff"/>
                   </a:solidFill>
                 </a:uFill>
                 <a:latin typeface="Arial"/>
+                <a:ea typeface="DejaVu Sans"/>
               </a:rPr>
               <a:t>Visualization</a:t>
             </a:r>
@@ -7756,7 +9398,7 @@
       </p:sp>
       <p:pic>
         <p:nvPicPr>
-          <p:cNvPr id="200" name="" descr=""/>
+          <p:cNvPr id="240" name="" descr=""/>
           <p:cNvPicPr/>
           <p:nvPr/>
         </p:nvPicPr>
@@ -7767,7 +9409,7 @@
         <p:spPr>
           <a:xfrm>
             <a:off x="1296000" y="1512000"/>
-            <a:ext cx="7172280" cy="5114880"/>
+            <a:ext cx="7171920" cy="5114520"/>
           </a:xfrm>
           <a:prstGeom prst="rect">
             <a:avLst/>
@@ -7779,7 +9421,7 @@
       </p:pic>
       <p:pic>
         <p:nvPicPr>
-          <p:cNvPr id="201" name="" descr=""/>
+          <p:cNvPr id="241" name="" descr=""/>
           <p:cNvPicPr/>
           <p:nvPr/>
         </p:nvPicPr>
@@ -7790,7 +9432,7 @@
         <p:spPr>
           <a:xfrm>
             <a:off x="8404560" y="208080"/>
-            <a:ext cx="1315440" cy="1303920"/>
+            <a:ext cx="1315080" cy="1303560"/>
           </a:xfrm>
           <a:prstGeom prst="rect">
             <a:avLst/>
@@ -7851,14 +9493,119 @@
       </p:grpSpPr>
       <p:sp>
         <p:nvSpPr>
-          <p:cNvPr id="202" name="CustomShape 1"/>
+          <p:cNvPr id="242" name="TextShape 1"/>
+          <p:cNvSpPr txBox="1"/>
+          <p:nvPr/>
+        </p:nvSpPr>
+        <p:spPr>
+          <a:xfrm>
+            <a:off x="504000" y="301320"/>
+            <a:ext cx="9072000" cy="1261800"/>
+          </a:xfrm>
+          <a:prstGeom prst="rect">
+            <a:avLst/>
+          </a:prstGeom>
+          <a:noFill/>
+          <a:ln>
+            <a:noFill/>
+          </a:ln>
+        </p:spPr>
+        <p:txBody>
+          <a:bodyPr lIns="0" rIns="0" tIns="0" bIns="0" anchor="ctr"/>
+          <a:p>
+            <a:pPr algn="ctr"/>
+            <a:r>
+              <a:rPr lang="en-IN" sz="4400" spc="-1">
+                <a:latin typeface="Arial"/>
+              </a:rPr>
+              <a:t>Open-Source</a:t>
+            </a:r>
+            <a:endParaRPr/>
+          </a:p>
+        </p:txBody>
+      </p:sp>
+      <p:sp>
+        <p:nvSpPr>
+          <p:cNvPr id="243" name="TextShape 2"/>
+          <p:cNvSpPr txBox="1"/>
+          <p:nvPr/>
+        </p:nvSpPr>
+        <p:spPr>
+          <a:xfrm>
+            <a:off x="504000" y="1768680"/>
+            <a:ext cx="9072000" cy="4384080"/>
+          </a:xfrm>
+          <a:prstGeom prst="rect">
+            <a:avLst/>
+          </a:prstGeom>
+          <a:noFill/>
+          <a:ln>
+            <a:noFill/>
+          </a:ln>
+        </p:spPr>
+        <p:txBody>
+          <a:bodyPr lIns="0" rIns="0" tIns="0" bIns="0" anchor="ctr"/>
+          <a:p>
+            <a:pPr algn="ctr"/>
+            <a:endParaRPr/>
+          </a:p>
+        </p:txBody>
+      </p:sp>
+      <p:pic>
+        <p:nvPicPr>
+          <p:cNvPr id="244" name="" descr=""/>
+          <p:cNvPicPr/>
+          <p:nvPr/>
+        </p:nvPicPr>
+        <p:blipFill>
+          <a:blip r:embed="rId1"/>
+          <a:stretch/>
+        </p:blipFill>
+        <p:spPr>
+          <a:xfrm>
+            <a:off x="216000" y="1584000"/>
+            <a:ext cx="9576360" cy="5016240"/>
+          </a:xfrm>
+          <a:prstGeom prst="rect">
+            <a:avLst/>
+          </a:prstGeom>
+          <a:ln>
+            <a:noFill/>
+          </a:ln>
+        </p:spPr>
+      </p:pic>
+    </p:spTree>
+  </p:cSld>
+</p:sld>
+</file>
+
+<file path=ppt/slides/slide18.xml><?xml version="1.0" encoding="utf-8"?>
+<p:sld xmlns:a="http://schemas.openxmlformats.org/drawingml/2006/main" xmlns:p="http://schemas.openxmlformats.org/presentationml/2006/main" xmlns:r="http://schemas.openxmlformats.org/officeDocument/2006/relationships">
+  <p:cSld>
+    <p:spTree>
+      <p:nvGrpSpPr>
+        <p:cNvPr id="1" name=""/>
+        <p:cNvGrpSpPr/>
+        <p:nvPr/>
+      </p:nvGrpSpPr>
+      <p:grpSpPr>
+        <a:xfrm>
+          <a:off x="0" y="0"/>
+          <a:ext cx="0" cy="0"/>
+          <a:chOff x="0" y="0"/>
+          <a:chExt cx="0" cy="0"/>
+        </a:xfrm>
+      </p:grpSpPr>
+      <p:sp>
+        <p:nvSpPr>
+          <p:cNvPr id="245" name="CustomShape 1"/>
           <p:cNvSpPr/>
           <p:nvPr/>
         </p:nvSpPr>
         <p:spPr>
           <a:xfrm>
             <a:off x="360000" y="360000"/>
-            <a:ext cx="9359280" cy="899280"/>
+            <a:ext cx="9358920" cy="898920"/>
           </a:xfrm>
           <a:prstGeom prst="rect">
             <a:avLst/>
@@ -7898,14 +9645,14 @@
       </p:sp>
       <p:sp>
         <p:nvSpPr>
-          <p:cNvPr id="203" name="CustomShape 2"/>
+          <p:cNvPr id="246" name="CustomShape 2"/>
           <p:cNvSpPr/>
           <p:nvPr/>
         </p:nvSpPr>
         <p:spPr>
           <a:xfrm>
             <a:off x="360000" y="1980000"/>
-            <a:ext cx="9179280" cy="4679280"/>
+            <a:ext cx="9178920" cy="4678920"/>
           </a:xfrm>
           <a:prstGeom prst="rect">
             <a:avLst/>
@@ -7996,7 +9743,7 @@
       </p:sp>
       <p:pic>
         <p:nvPicPr>
-          <p:cNvPr id="204" name="" descr=""/>
+          <p:cNvPr id="247" name="" descr=""/>
           <p:cNvPicPr/>
           <p:nvPr/>
         </p:nvPicPr>
@@ -8007,7 +9754,7 @@
         <p:spPr>
           <a:xfrm>
             <a:off x="8404560" y="208080"/>
-            <a:ext cx="1315440" cy="1303920"/>
+            <a:ext cx="1315080" cy="1303560"/>
           </a:xfrm>
           <a:prstGeom prst="rect">
             <a:avLst/>
@@ -8049,7 +9796,7 @@
 </p:sld>
 </file>
 
-<file path=ppt/slides/slide18.xml><?xml version="1.0" encoding="utf-8"?>
+<file path=ppt/slides/slide19.xml><?xml version="1.0" encoding="utf-8"?>
 <p:sld xmlns:a="http://schemas.openxmlformats.org/drawingml/2006/main" xmlns:p="http://schemas.openxmlformats.org/presentationml/2006/main" xmlns:r="http://schemas.openxmlformats.org/officeDocument/2006/relationships">
   <p:cSld>
     <p:spTree>
@@ -8068,14 +9815,14 @@
       </p:grpSpPr>
       <p:sp>
         <p:nvSpPr>
-          <p:cNvPr id="205" name="CustomShape 1"/>
+          <p:cNvPr id="248" name="CustomShape 1"/>
           <p:cNvSpPr/>
           <p:nvPr/>
         </p:nvSpPr>
         <p:spPr>
           <a:xfrm>
             <a:off x="360000" y="3330000"/>
-            <a:ext cx="9359280" cy="899280"/>
+            <a:ext cx="9358920" cy="898920"/>
           </a:xfrm>
           <a:prstGeom prst="rect">
             <a:avLst/>
@@ -8115,14 +9862,14 @@
       </p:sp>
       <p:sp>
         <p:nvSpPr>
-          <p:cNvPr id="206" name="CustomShape 2"/>
+          <p:cNvPr id="249" name="CustomShape 2"/>
           <p:cNvSpPr/>
           <p:nvPr/>
         </p:nvSpPr>
         <p:spPr>
           <a:xfrm>
             <a:off x="540000" y="4680000"/>
-            <a:ext cx="9179280" cy="2519280"/>
+            <a:ext cx="9178920" cy="2518920"/>
           </a:xfrm>
           <a:prstGeom prst="rect">
             <a:avLst/>
@@ -8141,7 +9888,7 @@
       </p:sp>
       <p:pic>
         <p:nvPicPr>
-          <p:cNvPr id="207" name="" descr=""/>
+          <p:cNvPr id="250" name="" descr=""/>
           <p:cNvPicPr/>
           <p:nvPr/>
         </p:nvPicPr>
@@ -8152,7 +9899,7 @@
         <p:spPr>
           <a:xfrm>
             <a:off x="7560000" y="3096000"/>
-            <a:ext cx="1315440" cy="1303920"/>
+            <a:ext cx="1315080" cy="1303560"/>
           </a:xfrm>
           <a:prstGeom prst="rect">
             <a:avLst/>
@@ -8213,14 +9960,14 @@
       </p:grpSpPr>
       <p:sp>
         <p:nvSpPr>
-          <p:cNvPr id="157" name="CustomShape 1"/>
+          <p:cNvPr id="197" name="CustomShape 1"/>
           <p:cNvSpPr/>
           <p:nvPr/>
         </p:nvSpPr>
         <p:spPr>
           <a:xfrm>
             <a:off x="360000" y="360000"/>
-            <a:ext cx="9359280" cy="899280"/>
+            <a:ext cx="9358920" cy="898920"/>
           </a:xfrm>
           <a:prstGeom prst="rect">
             <a:avLst/>
@@ -8260,14 +10007,14 @@
       </p:sp>
       <p:sp>
         <p:nvSpPr>
-          <p:cNvPr id="158" name="CustomShape 2"/>
+          <p:cNvPr id="198" name="CustomShape 2"/>
           <p:cNvSpPr/>
           <p:nvPr/>
         </p:nvSpPr>
         <p:spPr>
           <a:xfrm>
             <a:off x="108360" y="1584000"/>
-            <a:ext cx="9179280" cy="4679280"/>
+            <a:ext cx="9178920" cy="4678920"/>
           </a:xfrm>
           <a:prstGeom prst="rect">
             <a:avLst/>
@@ -8286,7 +10033,7 @@
         <p:txBody>
           <a:bodyPr lIns="0" rIns="0" tIns="0" bIns="0"/>
           <a:p>
-            <a:pPr marL="216000" indent="-215280">
+            <a:pPr marL="216000" indent="-214920">
               <a:lnSpc>
                 <a:spcPct val="100000"/>
               </a:lnSpc>
@@ -8315,7 +10062,7 @@
             <a:endParaRPr/>
           </a:p>
           <a:p>
-            <a:pPr marL="896760" indent="-215280">
+            <a:pPr marL="896760" indent="-214920">
               <a:lnSpc>
                 <a:spcPct val="100000"/>
               </a:lnSpc>
@@ -8344,7 +10091,7 @@
             <a:endParaRPr/>
           </a:p>
           <a:p>
-            <a:pPr marL="216000" indent="-215280">
+            <a:pPr marL="216000" indent="-214920">
               <a:lnSpc>
                 <a:spcPct val="100000"/>
               </a:lnSpc>
@@ -8373,7 +10120,7 @@
             <a:endParaRPr/>
           </a:p>
           <a:p>
-            <a:pPr marL="896760" indent="-215280">
+            <a:pPr marL="896760" indent="-214920">
               <a:lnSpc>
                 <a:spcPct val="100000"/>
               </a:lnSpc>
@@ -8402,7 +10149,7 @@
             <a:endParaRPr/>
           </a:p>
           <a:p>
-            <a:pPr marL="896760" indent="-215280">
+            <a:pPr marL="896760" indent="-214920">
               <a:lnSpc>
                 <a:spcPct val="100000"/>
               </a:lnSpc>
@@ -8431,7 +10178,7 @@
             <a:endParaRPr/>
           </a:p>
           <a:p>
-            <a:pPr marL="216000" indent="-215280">
+            <a:pPr marL="216000" indent="-214920">
               <a:lnSpc>
                 <a:spcPct val="100000"/>
               </a:lnSpc>
@@ -8460,7 +10207,7 @@
             <a:endParaRPr/>
           </a:p>
           <a:p>
-            <a:pPr marL="896760" indent="-215280">
+            <a:pPr marL="896760" indent="-214920">
               <a:lnSpc>
                 <a:spcPct val="100000"/>
               </a:lnSpc>
@@ -8489,7 +10236,7 @@
             <a:endParaRPr/>
           </a:p>
           <a:p>
-            <a:pPr marL="216000" indent="-215280">
+            <a:pPr marL="216000" indent="-214920">
               <a:lnSpc>
                 <a:spcPct val="100000"/>
               </a:lnSpc>
@@ -8521,7 +10268,7 @@
       </p:sp>
       <p:pic>
         <p:nvPicPr>
-          <p:cNvPr id="159" name="" descr=""/>
+          <p:cNvPr id="199" name="" descr=""/>
           <p:cNvPicPr/>
           <p:nvPr/>
         </p:nvPicPr>
@@ -8532,7 +10279,7 @@
         <p:spPr>
           <a:xfrm>
             <a:off x="8404200" y="207720"/>
-            <a:ext cx="1315440" cy="1303920"/>
+            <a:ext cx="1315080" cy="1303560"/>
           </a:xfrm>
           <a:prstGeom prst="rect">
             <a:avLst/>
@@ -8593,14 +10340,14 @@
       </p:grpSpPr>
       <p:sp>
         <p:nvSpPr>
-          <p:cNvPr id="160" name="CustomShape 1"/>
+          <p:cNvPr id="200" name="CustomShape 1"/>
           <p:cNvSpPr/>
           <p:nvPr/>
         </p:nvSpPr>
         <p:spPr>
           <a:xfrm>
             <a:off x="360000" y="360000"/>
-            <a:ext cx="9359280" cy="899280"/>
+            <a:ext cx="9358920" cy="898920"/>
           </a:xfrm>
           <a:prstGeom prst="rect">
             <a:avLst/>
@@ -8640,14 +10387,14 @@
       </p:sp>
       <p:sp>
         <p:nvSpPr>
-          <p:cNvPr id="161" name="CustomShape 2"/>
+          <p:cNvPr id="201" name="CustomShape 2"/>
           <p:cNvSpPr/>
           <p:nvPr/>
         </p:nvSpPr>
         <p:spPr>
           <a:xfrm>
             <a:off x="322200" y="1737720"/>
-            <a:ext cx="9179280" cy="4679280"/>
+            <a:ext cx="9178920" cy="4678920"/>
           </a:xfrm>
           <a:prstGeom prst="rect">
             <a:avLst/>
@@ -8666,7 +10413,7 @@
         <p:txBody>
           <a:bodyPr lIns="0" rIns="0" tIns="0" bIns="0"/>
           <a:p>
-            <a:pPr marL="216000" indent="-215280">
+            <a:pPr marL="216000" indent="-214920">
               <a:lnSpc>
                 <a:spcPct val="100000"/>
               </a:lnSpc>
@@ -8695,7 +10442,7 @@
             <a:endParaRPr/>
           </a:p>
           <a:p>
-            <a:pPr marL="896760" indent="-215280">
+            <a:pPr marL="896760" indent="-214920">
               <a:lnSpc>
                 <a:spcPct val="100000"/>
               </a:lnSpc>
@@ -8724,7 +10471,7 @@
             <a:endParaRPr/>
           </a:p>
           <a:p>
-            <a:pPr marL="896760" indent="-215280">
+            <a:pPr marL="896760" indent="-214920">
               <a:lnSpc>
                 <a:spcPct val="100000"/>
               </a:lnSpc>
@@ -8753,7 +10500,7 @@
             <a:endParaRPr/>
           </a:p>
           <a:p>
-            <a:pPr marL="216000" indent="-215280">
+            <a:pPr marL="216000" indent="-214920">
               <a:lnSpc>
                 <a:spcPct val="100000"/>
               </a:lnSpc>
@@ -8782,7 +10529,7 @@
             <a:endParaRPr/>
           </a:p>
           <a:p>
-            <a:pPr marL="896760" indent="-215280">
+            <a:pPr marL="896760" indent="-214920">
               <a:lnSpc>
                 <a:spcPct val="100000"/>
               </a:lnSpc>
@@ -8811,7 +10558,7 @@
             <a:endParaRPr/>
           </a:p>
           <a:p>
-            <a:pPr marL="896760" indent="-215280">
+            <a:pPr marL="896760" indent="-214920">
               <a:lnSpc>
                 <a:spcPct val="100000"/>
               </a:lnSpc>
@@ -8840,7 +10587,7 @@
             <a:endParaRPr/>
           </a:p>
           <a:p>
-            <a:pPr marL="896760" indent="-215280">
+            <a:pPr marL="896760" indent="-214920">
               <a:lnSpc>
                 <a:spcPct val="100000"/>
               </a:lnSpc>
@@ -8869,7 +10616,7 @@
             <a:endParaRPr/>
           </a:p>
           <a:p>
-            <a:pPr marL="216000" indent="-215280">
+            <a:pPr marL="216000" indent="-214920">
               <a:lnSpc>
                 <a:spcPct val="100000"/>
               </a:lnSpc>
@@ -8901,7 +10648,7 @@
       </p:sp>
       <p:pic>
         <p:nvPicPr>
-          <p:cNvPr id="162" name="" descr=""/>
+          <p:cNvPr id="202" name="" descr=""/>
           <p:cNvPicPr/>
           <p:nvPr/>
         </p:nvPicPr>
@@ -8912,7 +10659,7 @@
         <p:spPr>
           <a:xfrm>
             <a:off x="8404560" y="208080"/>
-            <a:ext cx="1315440" cy="1303920"/>
+            <a:ext cx="1315080" cy="1303560"/>
           </a:xfrm>
           <a:prstGeom prst="rect">
             <a:avLst/>
@@ -8973,14 +10720,14 @@
       </p:grpSpPr>
       <p:sp>
         <p:nvSpPr>
-          <p:cNvPr id="163" name="CustomShape 1"/>
+          <p:cNvPr id="203" name="CustomShape 1"/>
           <p:cNvSpPr/>
           <p:nvPr/>
         </p:nvSpPr>
         <p:spPr>
           <a:xfrm>
             <a:off x="360000" y="360000"/>
-            <a:ext cx="9359280" cy="899280"/>
+            <a:ext cx="9358920" cy="898920"/>
           </a:xfrm>
           <a:prstGeom prst="rect">
             <a:avLst/>
@@ -9035,14 +10782,14 @@
       </p:sp>
       <p:sp>
         <p:nvSpPr>
-          <p:cNvPr id="164" name="CustomShape 2"/>
+          <p:cNvPr id="204" name="CustomShape 2"/>
           <p:cNvSpPr/>
           <p:nvPr/>
         </p:nvSpPr>
         <p:spPr>
           <a:xfrm>
             <a:off x="360000" y="1980000"/>
-            <a:ext cx="9179280" cy="4679280"/>
+            <a:ext cx="9178920" cy="4678920"/>
           </a:xfrm>
           <a:prstGeom prst="rect">
             <a:avLst/>
@@ -9061,7 +10808,7 @@
         <p:txBody>
           <a:bodyPr lIns="0" rIns="0" tIns="0" bIns="0"/>
           <a:p>
-            <a:pPr marL="216000" indent="-215280">
+            <a:pPr marL="216000" indent="-214920">
               <a:lnSpc>
                 <a:spcPct val="100000"/>
               </a:lnSpc>
@@ -9090,7 +10837,7 @@
             <a:endParaRPr/>
           </a:p>
           <a:p>
-            <a:pPr marL="896760" indent="-215280">
+            <a:pPr marL="896760" indent="-214920">
               <a:lnSpc>
                 <a:spcPct val="100000"/>
               </a:lnSpc>
@@ -9119,7 +10866,7 @@
             <a:endParaRPr/>
           </a:p>
           <a:p>
-            <a:pPr marL="896760" indent="-215280">
+            <a:pPr marL="896760" indent="-214920">
               <a:lnSpc>
                 <a:spcPct val="100000"/>
               </a:lnSpc>
@@ -9148,7 +10895,7 @@
             <a:endParaRPr/>
           </a:p>
           <a:p>
-            <a:pPr marL="216000" indent="-215280">
+            <a:pPr marL="216000" indent="-214920">
               <a:lnSpc>
                 <a:spcPct val="100000"/>
               </a:lnSpc>
@@ -9177,7 +10924,7 @@
             <a:endParaRPr/>
           </a:p>
           <a:p>
-            <a:pPr marL="896760" indent="-215280">
+            <a:pPr marL="896760" indent="-214920">
               <a:lnSpc>
                 <a:spcPct val="100000"/>
               </a:lnSpc>
@@ -9206,7 +10953,7 @@
             <a:endParaRPr/>
           </a:p>
           <a:p>
-            <a:pPr marL="216000" indent="-215280">
+            <a:pPr marL="216000" indent="-214920">
               <a:lnSpc>
                 <a:spcPct val="100000"/>
               </a:lnSpc>
@@ -9238,7 +10985,7 @@
       </p:sp>
       <p:pic>
         <p:nvPicPr>
-          <p:cNvPr id="165" name="" descr=""/>
+          <p:cNvPr id="205" name="" descr=""/>
           <p:cNvPicPr/>
           <p:nvPr/>
         </p:nvPicPr>
@@ -9249,7 +10996,7 @@
         <p:spPr>
           <a:xfrm>
             <a:off x="8404560" y="208080"/>
-            <a:ext cx="1315440" cy="1303920"/>
+            <a:ext cx="1315080" cy="1303560"/>
           </a:xfrm>
           <a:prstGeom prst="rect">
             <a:avLst/>
@@ -9310,14 +11057,14 @@
       </p:grpSpPr>
       <p:sp>
         <p:nvSpPr>
-          <p:cNvPr id="166" name="CustomShape 1"/>
+          <p:cNvPr id="206" name="CustomShape 1"/>
           <p:cNvSpPr/>
           <p:nvPr/>
         </p:nvSpPr>
         <p:spPr>
           <a:xfrm>
             <a:off x="360000" y="360000"/>
-            <a:ext cx="9359280" cy="899280"/>
+            <a:ext cx="9358920" cy="898920"/>
           </a:xfrm>
           <a:prstGeom prst="rect">
             <a:avLst/>
@@ -9357,14 +11104,14 @@
       </p:sp>
       <p:sp>
         <p:nvSpPr>
-          <p:cNvPr id="167" name="CustomShape 2"/>
+          <p:cNvPr id="207" name="CustomShape 2"/>
           <p:cNvSpPr/>
           <p:nvPr/>
         </p:nvSpPr>
         <p:spPr>
           <a:xfrm>
             <a:off x="198720" y="1628280"/>
-            <a:ext cx="9179280" cy="4679280"/>
+            <a:ext cx="9178920" cy="4678920"/>
           </a:xfrm>
           <a:prstGeom prst="rect">
             <a:avLst/>
@@ -9383,7 +11130,7 @@
         <p:txBody>
           <a:bodyPr lIns="0" rIns="0" tIns="0" bIns="0"/>
           <a:p>
-            <a:pPr marL="216000" indent="-215280">
+            <a:pPr marL="216000" indent="-214920">
               <a:lnSpc>
                 <a:spcPct val="100000"/>
               </a:lnSpc>
@@ -9412,7 +11159,7 @@
             <a:endParaRPr/>
           </a:p>
           <a:p>
-            <a:pPr marL="896760" indent="-215280">
+            <a:pPr marL="896760" indent="-214920">
               <a:lnSpc>
                 <a:spcPct val="100000"/>
               </a:lnSpc>
@@ -9441,7 +11188,7 @@
             <a:endParaRPr/>
           </a:p>
           <a:p>
-            <a:pPr marL="896760" indent="-215280">
+            <a:pPr marL="896760" indent="-214920">
               <a:lnSpc>
                 <a:spcPct val="100000"/>
               </a:lnSpc>
@@ -9470,7 +11217,7 @@
             <a:endParaRPr/>
           </a:p>
           <a:p>
-            <a:pPr marL="216000" indent="-215280">
+            <a:pPr marL="216000" indent="-214920">
               <a:lnSpc>
                 <a:spcPct val="100000"/>
               </a:lnSpc>
@@ -9499,7 +11246,7 @@
             <a:endParaRPr/>
           </a:p>
           <a:p>
-            <a:pPr marL="896760" indent="-215280">
+            <a:pPr marL="896760" indent="-214920">
               <a:lnSpc>
                 <a:spcPct val="100000"/>
               </a:lnSpc>
@@ -9539,14 +11286,14 @@
       </p:sp>
       <p:sp>
         <p:nvSpPr>
-          <p:cNvPr id="168" name="CustomShape 3"/>
+          <p:cNvPr id="208" name="CustomShape 3"/>
           <p:cNvSpPr/>
           <p:nvPr/>
         </p:nvSpPr>
         <p:spPr>
           <a:xfrm>
             <a:off x="5095800" y="3952800"/>
-            <a:ext cx="180000" cy="429480"/>
+            <a:ext cx="179640" cy="429120"/>
           </a:xfrm>
           <a:prstGeom prst="rect">
             <a:avLst/>
@@ -9565,7 +11312,7 @@
       </p:sp>
       <p:pic>
         <p:nvPicPr>
-          <p:cNvPr id="169" name="" descr=""/>
+          <p:cNvPr id="209" name="" descr=""/>
           <p:cNvPicPr/>
           <p:nvPr/>
         </p:nvPicPr>
@@ -9576,7 +11323,7 @@
         <p:spPr>
           <a:xfrm>
             <a:off x="8404560" y="208080"/>
-            <a:ext cx="1315440" cy="1303920"/>
+            <a:ext cx="1315080" cy="1303560"/>
           </a:xfrm>
           <a:prstGeom prst="rect">
             <a:avLst/>
@@ -9637,14 +11384,14 @@
       </p:grpSpPr>
       <p:sp>
         <p:nvSpPr>
-          <p:cNvPr id="170" name="CustomShape 1"/>
+          <p:cNvPr id="210" name="CustomShape 1"/>
           <p:cNvSpPr/>
           <p:nvPr/>
         </p:nvSpPr>
         <p:spPr>
           <a:xfrm>
             <a:off x="360000" y="360000"/>
-            <a:ext cx="9359280" cy="899280"/>
+            <a:ext cx="9358920" cy="898920"/>
           </a:xfrm>
           <a:prstGeom prst="rect">
             <a:avLst/>
@@ -9684,14 +11431,14 @@
       </p:sp>
       <p:sp>
         <p:nvSpPr>
-          <p:cNvPr id="171" name="CustomShape 2"/>
+          <p:cNvPr id="211" name="CustomShape 2"/>
           <p:cNvSpPr/>
           <p:nvPr/>
         </p:nvSpPr>
         <p:spPr>
           <a:xfrm>
             <a:off x="360000" y="1980000"/>
-            <a:ext cx="9179280" cy="4679280"/>
+            <a:ext cx="9178920" cy="4678920"/>
           </a:xfrm>
           <a:prstGeom prst="rect">
             <a:avLst/>
@@ -9710,7 +11457,7 @@
         <p:txBody>
           <a:bodyPr lIns="0" rIns="0" tIns="0" bIns="0"/>
           <a:p>
-            <a:pPr marL="216000" indent="-215280">
+            <a:pPr marL="216000" indent="-214920">
               <a:lnSpc>
                 <a:spcPct val="100000"/>
               </a:lnSpc>
@@ -9739,7 +11486,7 @@
             <a:endParaRPr/>
           </a:p>
           <a:p>
-            <a:pPr marL="448200" indent="-215280">
+            <a:pPr marL="448200" indent="-214920">
               <a:lnSpc>
                 <a:spcPct val="100000"/>
               </a:lnSpc>
@@ -9768,7 +11515,7 @@
             <a:endParaRPr/>
           </a:p>
           <a:p>
-            <a:pPr marL="448200" indent="-215280">
+            <a:pPr marL="448200" indent="-214920">
               <a:lnSpc>
                 <a:spcPct val="100000"/>
               </a:lnSpc>
@@ -9797,7 +11544,7 @@
             <a:endParaRPr/>
           </a:p>
           <a:p>
-            <a:pPr marL="216000" indent="-215280">
+            <a:pPr marL="216000" indent="-214920">
               <a:lnSpc>
                 <a:spcPct val="100000"/>
               </a:lnSpc>
@@ -9826,7 +11573,7 @@
             <a:endParaRPr/>
           </a:p>
           <a:p>
-            <a:pPr marL="448200" indent="-215280">
+            <a:pPr marL="448200" indent="-214920">
               <a:lnSpc>
                 <a:spcPct val="100000"/>
               </a:lnSpc>
@@ -9855,7 +11602,7 @@
             <a:endParaRPr/>
           </a:p>
           <a:p>
-            <a:pPr marL="448200" indent="-215280">
+            <a:pPr marL="448200" indent="-214920">
               <a:lnSpc>
                 <a:spcPct val="100000"/>
               </a:lnSpc>
@@ -9884,7 +11631,7 @@
             <a:endParaRPr/>
           </a:p>
           <a:p>
-            <a:pPr marL="216000" indent="-215280">
+            <a:pPr marL="216000" indent="-214920">
               <a:lnSpc>
                 <a:spcPct val="100000"/>
               </a:lnSpc>
@@ -9916,7 +11663,7 @@
       </p:sp>
       <p:pic>
         <p:nvPicPr>
-          <p:cNvPr id="172" name="" descr=""/>
+          <p:cNvPr id="212" name="" descr=""/>
           <p:cNvPicPr/>
           <p:nvPr/>
         </p:nvPicPr>
@@ -9927,7 +11674,7 @@
         <p:spPr>
           <a:xfrm>
             <a:off x="8404560" y="208080"/>
-            <a:ext cx="1315440" cy="1303920"/>
+            <a:ext cx="1315080" cy="1303560"/>
           </a:xfrm>
           <a:prstGeom prst="rect">
             <a:avLst/>
@@ -9988,14 +11735,14 @@
       </p:grpSpPr>
       <p:sp>
         <p:nvSpPr>
-          <p:cNvPr id="173" name="CustomShape 1"/>
+          <p:cNvPr id="213" name="CustomShape 1"/>
           <p:cNvSpPr/>
           <p:nvPr/>
         </p:nvSpPr>
         <p:spPr>
           <a:xfrm>
             <a:off x="360000" y="360000"/>
-            <a:ext cx="9359280" cy="899280"/>
+            <a:ext cx="9358920" cy="898920"/>
           </a:xfrm>
           <a:prstGeom prst="rect">
             <a:avLst/>
@@ -10035,14 +11782,14 @@
       </p:sp>
       <p:sp>
         <p:nvSpPr>
-          <p:cNvPr id="174" name="CustomShape 2"/>
+          <p:cNvPr id="214" name="CustomShape 2"/>
           <p:cNvSpPr/>
           <p:nvPr/>
         </p:nvSpPr>
         <p:spPr>
           <a:xfrm>
             <a:off x="180360" y="1584360"/>
-            <a:ext cx="9179280" cy="4679280"/>
+            <a:ext cx="9178920" cy="4678920"/>
           </a:xfrm>
           <a:prstGeom prst="rect">
             <a:avLst/>
@@ -10061,7 +11808,7 @@
         <p:txBody>
           <a:bodyPr lIns="0" rIns="0" tIns="0" bIns="0"/>
           <a:p>
-            <a:pPr marL="216000" indent="-215280">
+            <a:pPr marL="216000" indent="-214920">
               <a:lnSpc>
                 <a:spcPct val="100000"/>
               </a:lnSpc>
@@ -10090,7 +11837,7 @@
             <a:endParaRPr/>
           </a:p>
           <a:p>
-            <a:pPr marL="448200" indent="-215280">
+            <a:pPr marL="448200" indent="-214920">
               <a:lnSpc>
                 <a:spcPct val="100000"/>
               </a:lnSpc>
@@ -10134,7 +11881,7 @@
             <a:endParaRPr/>
           </a:p>
           <a:p>
-            <a:pPr marL="448200" indent="-215280">
+            <a:pPr marL="448200" indent="-214920">
               <a:lnSpc>
                 <a:spcPct val="100000"/>
               </a:lnSpc>
@@ -10163,7 +11910,7 @@
             <a:endParaRPr/>
           </a:p>
           <a:p>
-            <a:pPr marL="216000" indent="-215280">
+            <a:pPr marL="216000" indent="-214920">
               <a:lnSpc>
                 <a:spcPct val="100000"/>
               </a:lnSpc>
@@ -10192,7 +11939,7 @@
             <a:endParaRPr/>
           </a:p>
           <a:p>
-            <a:pPr marL="457200" indent="-8280" algn="just">
+            <a:pPr marL="457200" indent="-7920" algn="just">
               <a:lnSpc>
                 <a:spcPct val="100000"/>
               </a:lnSpc>
@@ -10251,7 +11998,7 @@
             <a:endParaRPr/>
           </a:p>
           <a:p>
-            <a:pPr marL="457200" indent="-8280" algn="just">
+            <a:pPr marL="457200" indent="-7920" algn="just">
               <a:lnSpc>
                 <a:spcPct val="100000"/>
               </a:lnSpc>
@@ -10310,7 +12057,7 @@
             <a:endParaRPr/>
           </a:p>
           <a:p>
-            <a:pPr marL="457200" indent="-8280" algn="just">
+            <a:pPr marL="457200" indent="-7920" algn="just">
               <a:lnSpc>
                 <a:spcPct val="100000"/>
               </a:lnSpc>
@@ -10339,7 +12086,7 @@
             <a:endParaRPr/>
           </a:p>
           <a:p>
-            <a:pPr marL="216000" indent="-215280">
+            <a:pPr marL="216000" indent="-214920">
               <a:lnSpc>
                 <a:spcPct val="100000"/>
               </a:lnSpc>
@@ -10368,7 +12115,7 @@
             <a:endParaRPr/>
           </a:p>
           <a:p>
-            <a:pPr marL="448200" indent="-215280">
+            <a:pPr marL="448200" indent="-214920">
               <a:lnSpc>
                 <a:spcPct val="100000"/>
               </a:lnSpc>
@@ -10397,7 +12144,7 @@
             <a:endParaRPr/>
           </a:p>
           <a:p>
-            <a:pPr marL="448200" indent="-215280">
+            <a:pPr marL="448200" indent="-214920">
               <a:lnSpc>
                 <a:spcPct val="100000"/>
               </a:lnSpc>
@@ -10426,7 +12173,7 @@
             <a:endParaRPr/>
           </a:p>
           <a:p>
-            <a:pPr marL="216000" indent="-215280">
+            <a:pPr marL="216000" indent="-214920">
               <a:lnSpc>
                 <a:spcPct val="100000"/>
               </a:lnSpc>
@@ -10455,7 +12202,7 @@
             <a:endParaRPr/>
           </a:p>
           <a:p>
-            <a:pPr marL="448200" indent="-215280">
+            <a:pPr marL="448200" indent="-214920">
               <a:lnSpc>
                 <a:spcPct val="100000"/>
               </a:lnSpc>
@@ -10499,7 +12246,7 @@
             <a:endParaRPr/>
           </a:p>
           <a:p>
-            <a:pPr marL="216000" indent="-215280">
+            <a:pPr marL="216000" indent="-214920">
               <a:lnSpc>
                 <a:spcPct val="100000"/>
               </a:lnSpc>
@@ -10531,7 +12278,7 @@
       </p:sp>
       <p:pic>
         <p:nvPicPr>
-          <p:cNvPr id="175" name="" descr=""/>
+          <p:cNvPr id="215" name="" descr=""/>
           <p:cNvPicPr/>
           <p:nvPr/>
         </p:nvPicPr>
@@ -10542,7 +12289,7 @@
         <p:spPr>
           <a:xfrm>
             <a:off x="8404560" y="208080"/>
-            <a:ext cx="1315440" cy="1303920"/>
+            <a:ext cx="1315080" cy="1303560"/>
           </a:xfrm>
           <a:prstGeom prst="rect">
             <a:avLst/>
@@ -10603,14 +12350,14 @@
       </p:grpSpPr>
       <p:sp>
         <p:nvSpPr>
-          <p:cNvPr id="176" name="CustomShape 1"/>
+          <p:cNvPr id="216" name="CustomShape 1"/>
           <p:cNvSpPr/>
           <p:nvPr/>
         </p:nvSpPr>
         <p:spPr>
           <a:xfrm>
             <a:off x="360000" y="360000"/>
-            <a:ext cx="9359280" cy="899280"/>
+            <a:ext cx="9358920" cy="898920"/>
           </a:xfrm>
           <a:prstGeom prst="rect">
             <a:avLst/>
@@ -10650,14 +12397,14 @@
       </p:sp>
       <p:sp>
         <p:nvSpPr>
-          <p:cNvPr id="177" name="CustomShape 2"/>
+          <p:cNvPr id="217" name="CustomShape 2"/>
           <p:cNvSpPr/>
           <p:nvPr/>
         </p:nvSpPr>
         <p:spPr>
           <a:xfrm>
             <a:off x="252360" y="1368360"/>
-            <a:ext cx="9179280" cy="4679280"/>
+            <a:ext cx="9178920" cy="4678920"/>
           </a:xfrm>
           <a:prstGeom prst="rect">
             <a:avLst/>
@@ -10676,7 +12423,7 @@
         <p:txBody>
           <a:bodyPr lIns="0" rIns="0" tIns="0" bIns="0"/>
           <a:p>
-            <a:pPr marL="216000" indent="-215280">
+            <a:pPr marL="216000" indent="-214920">
               <a:lnSpc>
                 <a:spcPct val="100000"/>
               </a:lnSpc>
@@ -10705,7 +12452,7 @@
             <a:endParaRPr/>
           </a:p>
           <a:p>
-            <a:pPr marL="448200" indent="-215280">
+            <a:pPr marL="448200" indent="-214920">
               <a:lnSpc>
                 <a:spcPct val="100000"/>
               </a:lnSpc>
@@ -10749,7 +12496,7 @@
             <a:endParaRPr/>
           </a:p>
           <a:p>
-            <a:pPr marL="448200" indent="-215280">
+            <a:pPr marL="448200" indent="-214920">
               <a:lnSpc>
                 <a:spcPct val="100000"/>
               </a:lnSpc>
@@ -10793,7 +12540,7 @@
             <a:endParaRPr/>
           </a:p>
           <a:p>
-            <a:pPr marL="216000" indent="-215280">
+            <a:pPr marL="216000" indent="-214920">
               <a:lnSpc>
                 <a:spcPct val="100000"/>
               </a:lnSpc>
@@ -10822,7 +12569,7 @@
             <a:endParaRPr/>
           </a:p>
           <a:p>
-            <a:pPr marL="216000" indent="-215280">
+            <a:pPr marL="216000" indent="-214920">
               <a:lnSpc>
                 <a:spcPct val="100000"/>
               </a:lnSpc>
@@ -10851,7 +12598,7 @@
             <a:endParaRPr/>
           </a:p>
           <a:p>
-            <a:pPr marL="216000" indent="-215280">
+            <a:pPr marL="216000" indent="-214920">
               <a:lnSpc>
                 <a:spcPct val="100000"/>
               </a:lnSpc>
@@ -10880,7 +12627,7 @@
             <a:endParaRPr/>
           </a:p>
           <a:p>
-            <a:pPr marL="216000" indent="-215280">
+            <a:pPr marL="216000" indent="-214920">
               <a:lnSpc>
                 <a:spcPct val="100000"/>
               </a:lnSpc>
@@ -10909,7 +12656,7 @@
             <a:endParaRPr/>
           </a:p>
           <a:p>
-            <a:pPr marL="448200" indent="-215280">
+            <a:pPr marL="448200" indent="-214920">
               <a:lnSpc>
                 <a:spcPct val="100000"/>
               </a:lnSpc>
@@ -10953,7 +12700,7 @@
             <a:endParaRPr/>
           </a:p>
           <a:p>
-            <a:pPr marL="216000" indent="-215280">
+            <a:pPr marL="216000" indent="-214920">
               <a:lnSpc>
                 <a:spcPct val="100000"/>
               </a:lnSpc>
@@ -10982,7 +12729,7 @@
             <a:endParaRPr/>
           </a:p>
           <a:p>
-            <a:pPr marL="216000" indent="-215280">
+            <a:pPr marL="216000" indent="-214920">
               <a:lnSpc>
                 <a:spcPct val="100000"/>
               </a:lnSpc>
@@ -11026,7 +12773,7 @@
             <a:endParaRPr/>
           </a:p>
           <a:p>
-            <a:pPr marL="448200" indent="-215280">
+            <a:pPr marL="448200" indent="-214920">
               <a:lnSpc>
                 <a:spcPct val="100000"/>
               </a:lnSpc>
@@ -11085,7 +12832,7 @@
             <a:endParaRPr/>
           </a:p>
           <a:p>
-            <a:pPr marL="216000" indent="-215280">
+            <a:pPr marL="216000" indent="-214920">
               <a:lnSpc>
                 <a:spcPct val="100000"/>
               </a:lnSpc>
@@ -11114,7 +12861,7 @@
             <a:endParaRPr/>
           </a:p>
           <a:p>
-            <a:pPr marL="216000" indent="-215280">
+            <a:pPr marL="216000" indent="-214920">
               <a:lnSpc>
                 <a:spcPct val="100000"/>
               </a:lnSpc>
@@ -11143,7 +12890,7 @@
             <a:endParaRPr/>
           </a:p>
           <a:p>
-            <a:pPr marL="448200" indent="-215280">
+            <a:pPr marL="448200" indent="-214920">
               <a:lnSpc>
                 <a:spcPct val="100000"/>
               </a:lnSpc>
@@ -11175,7 +12922,7 @@
       </p:sp>
       <p:pic>
         <p:nvPicPr>
-          <p:cNvPr id="178" name="" descr=""/>
+          <p:cNvPr id="218" name="" descr=""/>
           <p:cNvPicPr/>
           <p:nvPr/>
         </p:nvPicPr>
@@ -11186,7 +12933,7 @@
         <p:spPr>
           <a:xfrm>
             <a:off x="8404560" y="208080"/>
-            <a:ext cx="1315440" cy="1303920"/>
+            <a:ext cx="1315080" cy="1303560"/>
           </a:xfrm>
           <a:prstGeom prst="rect">
             <a:avLst/>
@@ -11247,14 +12994,14 @@
       </p:grpSpPr>
       <p:sp>
         <p:nvSpPr>
-          <p:cNvPr id="179" name="CustomShape 1"/>
+          <p:cNvPr id="219" name="CustomShape 1"/>
           <p:cNvSpPr/>
           <p:nvPr/>
         </p:nvSpPr>
         <p:spPr>
           <a:xfrm>
             <a:off x="360000" y="360000"/>
-            <a:ext cx="9359280" cy="899280"/>
+            <a:ext cx="9358920" cy="898920"/>
           </a:xfrm>
           <a:prstGeom prst="rect">
             <a:avLst/>
@@ -11294,14 +13041,14 @@
       </p:sp>
       <p:sp>
         <p:nvSpPr>
-          <p:cNvPr id="180" name="CustomShape 2"/>
+          <p:cNvPr id="220" name="CustomShape 2"/>
           <p:cNvSpPr/>
           <p:nvPr/>
         </p:nvSpPr>
         <p:spPr>
           <a:xfrm>
             <a:off x="330120" y="1701720"/>
-            <a:ext cx="9179280" cy="4679280"/>
+            <a:ext cx="9178920" cy="4678920"/>
           </a:xfrm>
           <a:prstGeom prst="rect">
             <a:avLst/>
@@ -11320,7 +13067,7 @@
         <p:txBody>
           <a:bodyPr lIns="0" rIns="0" tIns="0" bIns="0"/>
           <a:p>
-            <a:pPr marL="216000" indent="-215280">
+            <a:pPr marL="216000" indent="-214920">
               <a:lnSpc>
                 <a:spcPct val="100000"/>
               </a:lnSpc>
@@ -11349,7 +13096,7 @@
             <a:endParaRPr/>
           </a:p>
           <a:p>
-            <a:pPr marL="448200" indent="-215280">
+            <a:pPr marL="448200" indent="-214920">
               <a:lnSpc>
                 <a:spcPct val="100000"/>
               </a:lnSpc>
@@ -11378,7 +13125,7 @@
             <a:endParaRPr/>
           </a:p>
           <a:p>
-            <a:pPr marL="448200" indent="-215280">
+            <a:pPr marL="448200" indent="-214920">
               <a:lnSpc>
                 <a:spcPct val="100000"/>
               </a:lnSpc>
@@ -11407,7 +13154,7 @@
             <a:endParaRPr/>
           </a:p>
           <a:p>
-            <a:pPr marL="448200" indent="-215280">
+            <a:pPr marL="448200" indent="-214920">
               <a:lnSpc>
                 <a:spcPct val="100000"/>
               </a:lnSpc>
@@ -11436,7 +13183,7 @@
             <a:endParaRPr/>
           </a:p>
           <a:p>
-            <a:pPr marL="216000" indent="-215280">
+            <a:pPr marL="216000" indent="-214920">
               <a:lnSpc>
                 <a:spcPct val="100000"/>
               </a:lnSpc>
@@ -11465,7 +13212,7 @@
             <a:endParaRPr/>
           </a:p>
           <a:p>
-            <a:pPr marL="216000" indent="-215280">
+            <a:pPr marL="216000" indent="-214920">
               <a:lnSpc>
                 <a:spcPct val="100000"/>
               </a:lnSpc>
@@ -11494,7 +13241,7 @@
             <a:endParaRPr/>
           </a:p>
           <a:p>
-            <a:pPr marL="216000" indent="-215280">
+            <a:pPr marL="216000" indent="-214920">
               <a:lnSpc>
                 <a:spcPct val="100000"/>
               </a:lnSpc>
@@ -11523,7 +13270,7 @@
             <a:endParaRPr/>
           </a:p>
           <a:p>
-            <a:pPr marL="216000" indent="-215280">
+            <a:pPr marL="216000" indent="-214920">
               <a:lnSpc>
                 <a:spcPct val="100000"/>
               </a:lnSpc>
@@ -11552,7 +13299,7 @@
             <a:endParaRPr/>
           </a:p>
           <a:p>
-            <a:pPr marL="216000" indent="-215280">
+            <a:pPr marL="216000" indent="-214920">
               <a:lnSpc>
                 <a:spcPct val="100000"/>
               </a:lnSpc>
@@ -11584,7 +13331,7 @@
       </p:sp>
       <p:pic>
         <p:nvPicPr>
-          <p:cNvPr id="181" name="" descr=""/>
+          <p:cNvPr id="221" name="" descr=""/>
           <p:cNvPicPr/>
           <p:nvPr/>
         </p:nvPicPr>
@@ -11595,7 +13342,7 @@
         <p:spPr>
           <a:xfrm>
             <a:off x="8404560" y="208080"/>
-            <a:ext cx="1315440" cy="1303920"/>
+            <a:ext cx="1315080" cy="1303560"/>
           </a:xfrm>
           <a:prstGeom prst="rect">
             <a:avLst/>
@@ -12527,4 +14274,227 @@
     </a:fmtScheme>
   </a:themeElements>
 </a:theme>
+</file>
+
+<file path=ppt/theme/theme5.xml><?xml version="1.0" encoding="utf-8"?>
+<a:theme xmlns:a="http://schemas.openxmlformats.org/drawingml/2006/main" name="Office Theme">
+  <a:themeElements>
+    <a:clrScheme name="Office">
+      <a:dk1>
+        <a:sysClr val="windowText" lastClr="000000"/>
+      </a:dk1>
+      <a:lt1>
+        <a:sysClr val="window" lastClr="FFFFFF"/>
+      </a:lt1>
+      <a:dk2>
+        <a:srgbClr val="1F497D"/>
+      </a:dk2>
+      <a:lt2>
+        <a:srgbClr val="EEECE1"/>
+      </a:lt2>
+      <a:accent1>
+        <a:srgbClr val="4F81BD"/>
+      </a:accent1>
+      <a:accent2>
+        <a:srgbClr val="C0504D"/>
+      </a:accent2>
+      <a:accent3>
+        <a:srgbClr val="9BBB59"/>
+      </a:accent3>
+      <a:accent4>
+        <a:srgbClr val="8064A2"/>
+      </a:accent4>
+      <a:accent5>
+        <a:srgbClr val="4BACC6"/>
+      </a:accent5>
+      <a:accent6>
+        <a:srgbClr val="F79646"/>
+      </a:accent6>
+      <a:hlink>
+        <a:srgbClr val="0000FF"/>
+      </a:hlink>
+      <a:folHlink>
+        <a:srgbClr val="800080"/>
+      </a:folHlink>
+    </a:clrScheme>
+    <a:fontScheme name="Office">
+      <a:majorFont>
+        <a:latin typeface="Arial"/>
+        <a:ea typeface="DejaVu Sans"/>
+        <a:cs typeface="DejaVu Sans"/>
+      </a:majorFont>
+      <a:minorFont>
+        <a:latin typeface="Arial"/>
+        <a:ea typeface="DejaVu Sans"/>
+        <a:cs typeface="DejaVu Sans"/>
+      </a:minorFont>
+    </a:fontScheme>
+    <a:fmtScheme name="Office">
+      <a:fillStyleLst>
+        <a:solidFill>
+          <a:schemeClr val="phClr"/>
+        </a:solidFill>
+        <a:gradFill rotWithShape="1">
+          <a:gsLst>
+            <a:gs pos="0">
+              <a:schemeClr val="phClr">
+                <a:tint val="50000"/>
+                <a:satMod val="300000"/>
+              </a:schemeClr>
+            </a:gs>
+            <a:gs pos="35000">
+              <a:schemeClr val="phClr">
+                <a:tint val="37000"/>
+                <a:satMod val="300000"/>
+              </a:schemeClr>
+            </a:gs>
+            <a:gs pos="100000">
+              <a:schemeClr val="phClr">
+                <a:tint val="15000"/>
+                <a:satMod val="350000"/>
+              </a:schemeClr>
+            </a:gs>
+          </a:gsLst>
+          <a:lin ang="16200000" scaled="1"/>
+        </a:gradFill>
+        <a:gradFill rotWithShape="1">
+          <a:gsLst>
+            <a:gs pos="0">
+              <a:schemeClr val="phClr">
+                <a:shade val="51000"/>
+                <a:satMod val="130000"/>
+              </a:schemeClr>
+            </a:gs>
+            <a:gs pos="80000">
+              <a:schemeClr val="phClr">
+                <a:shade val="93000"/>
+                <a:satMod val="130000"/>
+              </a:schemeClr>
+            </a:gs>
+            <a:gs pos="100000">
+              <a:schemeClr val="phClr">
+                <a:shade val="94000"/>
+                <a:satMod val="135000"/>
+              </a:schemeClr>
+            </a:gs>
+          </a:gsLst>
+          <a:lin ang="16200000" scaled="0"/>
+        </a:gradFill>
+      </a:fillStyleLst>
+      <a:lnStyleLst>
+        <a:ln w="9525" cap="flat" cmpd="sng" algn="ctr">
+          <a:solidFill>
+            <a:schemeClr val="phClr">
+              <a:shade val="95000"/>
+              <a:satMod val="105000"/>
+            </a:schemeClr>
+          </a:solidFill>
+          <a:prstDash val="solid"/>
+        </a:ln>
+        <a:ln w="25400" cap="flat" cmpd="sng" algn="ctr">
+          <a:solidFill>
+            <a:schemeClr val="phClr"/>
+          </a:solidFill>
+          <a:prstDash val="solid"/>
+        </a:ln>
+        <a:ln w="38100" cap="flat" cmpd="sng" algn="ctr">
+          <a:solidFill>
+            <a:schemeClr val="phClr"/>
+          </a:solidFill>
+          <a:prstDash val="solid"/>
+        </a:ln>
+      </a:lnStyleLst>
+      <a:effectStyleLst>
+        <a:effectStyle>
+          <a:effectLst>
+            <a:outerShdw blurRad="40000" dist="20000" dir="5400000" rotWithShape="0">
+              <a:srgbClr val="000000">
+                <a:alpha val="38000"/>
+              </a:srgbClr>
+            </a:outerShdw>
+          </a:effectLst>
+        </a:effectStyle>
+        <a:effectStyle>
+          <a:effectLst>
+            <a:outerShdw blurRad="40000" dist="23000" dir="5400000" rotWithShape="0">
+              <a:srgbClr val="000000">
+                <a:alpha val="35000"/>
+              </a:srgbClr>
+            </a:outerShdw>
+          </a:effectLst>
+        </a:effectStyle>
+        <a:effectStyle>
+          <a:effectLst>
+            <a:outerShdw blurRad="40000" dist="23000" dir="5400000" rotWithShape="0">
+              <a:srgbClr val="000000">
+                <a:alpha val="35000"/>
+              </a:srgbClr>
+            </a:outerShdw>
+          </a:effectLst>
+          <a:scene3d>
+            <a:camera prst="orthographicFront">
+              <a:rot lat="0" lon="0" rev="0"/>
+            </a:camera>
+            <a:lightRig rig="threePt" dir="t">
+              <a:rot lat="0" lon="0" rev="1200000"/>
+            </a:lightRig>
+          </a:scene3d>
+          <a:sp3d>
+            <a:bevelT w="63500" h="25400"/>
+          </a:sp3d>
+        </a:effectStyle>
+      </a:effectStyleLst>
+      <a:bgFillStyleLst>
+        <a:solidFill>
+          <a:schemeClr val="phClr"/>
+        </a:solidFill>
+        <a:gradFill rotWithShape="1">
+          <a:gsLst>
+            <a:gs pos="0">
+              <a:schemeClr val="phClr">
+                <a:tint val="40000"/>
+                <a:satMod val="350000"/>
+              </a:schemeClr>
+            </a:gs>
+            <a:gs pos="40000">
+              <a:schemeClr val="phClr">
+                <a:tint val="45000"/>
+                <a:shade val="99000"/>
+                <a:satMod val="350000"/>
+              </a:schemeClr>
+            </a:gs>
+            <a:gs pos="100000">
+              <a:schemeClr val="phClr">
+                <a:shade val="20000"/>
+                <a:satMod val="255000"/>
+              </a:schemeClr>
+            </a:gs>
+          </a:gsLst>
+          <a:path path="circle">
+            <a:fillToRect l="50000" t="-80000" r="50000" b="180000"/>
+          </a:path>
+        </a:gradFill>
+        <a:gradFill rotWithShape="1">
+          <a:gsLst>
+            <a:gs pos="0">
+              <a:schemeClr val="phClr">
+                <a:tint val="80000"/>
+                <a:satMod val="300000"/>
+              </a:schemeClr>
+            </a:gs>
+            <a:gs pos="100000">
+              <a:schemeClr val="phClr">
+                <a:shade val="30000"/>
+                <a:satMod val="200000"/>
+              </a:schemeClr>
+            </a:gs>
+          </a:gsLst>
+          <a:path path="circle">
+            <a:fillToRect l="50000" t="50000" r="50000" b="50000"/>
+          </a:path>
+        </a:gradFill>
+      </a:bgFillStyleLst>
+    </a:fmtScheme>
+  </a:themeElements>
+</a:theme>
 </file>